--- a/lci_cvport.pptx
+++ b/lci_cvport.pptx
@@ -309,7 +309,7 @@
           <a:p>
             <a:fld id="{241EB5C9-1307-BA42-ABA2-0BC069CD8E7F}" type="datetimeFigureOut">
               <a:rPr lang="en-US" smtClean="0"/>
-              <a:t>1/2/22</a:t>
+              <a:t>11/14/24</a:t>
             </a:fld>
             <a:endParaRPr lang="en-US"/>
           </a:p>
@@ -477,7 +477,7 @@
           <a:p>
             <a:fld id="{241EB5C9-1307-BA42-ABA2-0BC069CD8E7F}" type="datetimeFigureOut">
               <a:rPr lang="en-US" smtClean="0"/>
-              <a:t>1/2/22</a:t>
+              <a:t>11/14/24</a:t>
             </a:fld>
             <a:endParaRPr lang="en-US"/>
           </a:p>
@@ -655,7 +655,7 @@
           <a:p>
             <a:fld id="{241EB5C9-1307-BA42-ABA2-0BC069CD8E7F}" type="datetimeFigureOut">
               <a:rPr lang="en-US" smtClean="0"/>
-              <a:t>1/2/22</a:t>
+              <a:t>11/14/24</a:t>
             </a:fld>
             <a:endParaRPr lang="en-US"/>
           </a:p>
@@ -707,6 +707,315 @@
     <p:extLst>
       <p:ext uri="{BB962C8B-B14F-4D97-AF65-F5344CB8AC3E}">
         <p14:creationId xmlns:p14="http://schemas.microsoft.com/office/powerpoint/2010/main" val="2581529045"/>
+      </p:ext>
+    </p:extLst>
+  </p:cSld>
+  <p:clrMapOvr>
+    <a:masterClrMapping/>
+  </p:clrMapOvr>
+</p:sldLayout>
+</file>
+
+<file path=ppt/slideLayouts/slideLayout12.xml><?xml version="1.0" encoding="utf-8"?>
+<p:sldLayout xmlns:a="http://schemas.openxmlformats.org/drawingml/2006/main" xmlns:r="http://schemas.openxmlformats.org/officeDocument/2006/relationships" xmlns:p="http://schemas.openxmlformats.org/presentationml/2006/main" type="vertTitleAndTx" preserve="1">
+  <p:cSld name="1_Vertical Title and Text">
+    <p:spTree>
+      <p:nvGrpSpPr>
+        <p:cNvPr id="1" name=""/>
+        <p:cNvGrpSpPr/>
+        <p:nvPr/>
+      </p:nvGrpSpPr>
+      <p:grpSpPr>
+        <a:xfrm>
+          <a:off x="0" y="0"/>
+          <a:ext cx="0" cy="0"/>
+          <a:chOff x="0" y="0"/>
+          <a:chExt cx="0" cy="0"/>
+        </a:xfrm>
+      </p:grpSpPr>
+      <p:sp>
+        <p:nvSpPr>
+          <p:cNvPr id="2" name="Vertical Title 1"/>
+          <p:cNvSpPr>
+            <a:spLocks noGrp="1"/>
+          </p:cNvSpPr>
+          <p:nvPr>
+            <p:ph type="title" orient="vert"/>
+          </p:nvPr>
+        </p:nvSpPr>
+        <p:spPr>
+          <a:xfrm>
+            <a:off x="6629400" y="205979"/>
+            <a:ext cx="2057400" cy="4388644"/>
+          </a:xfrm>
+        </p:spPr>
+        <p:txBody>
+          <a:bodyPr vert="eaVert"/>
+          <a:lstStyle/>
+          <a:p>
+            <a:r>
+              <a:rPr lang="en-US"/>
+              <a:t>Click to edit Master title style</a:t>
+            </a:r>
+          </a:p>
+        </p:txBody>
+      </p:sp>
+      <p:sp>
+        <p:nvSpPr>
+          <p:cNvPr id="3" name="Vertical Text Placeholder 2"/>
+          <p:cNvSpPr>
+            <a:spLocks noGrp="1"/>
+          </p:cNvSpPr>
+          <p:nvPr>
+            <p:ph type="body" orient="vert" idx="1"/>
+          </p:nvPr>
+        </p:nvSpPr>
+        <p:spPr>
+          <a:xfrm>
+            <a:off x="457200" y="205979"/>
+            <a:ext cx="6019800" cy="4388644"/>
+          </a:xfrm>
+        </p:spPr>
+        <p:txBody>
+          <a:bodyPr vert="eaVert"/>
+          <a:lstStyle/>
+          <a:p>
+            <a:pPr lvl="0"/>
+            <a:r>
+              <a:rPr lang="en-US"/>
+              <a:t>Click to edit Master text styles</a:t>
+            </a:r>
+          </a:p>
+          <a:p>
+            <a:pPr lvl="1"/>
+            <a:r>
+              <a:rPr lang="en-US"/>
+              <a:t>Second level</a:t>
+            </a:r>
+          </a:p>
+          <a:p>
+            <a:pPr lvl="2"/>
+            <a:r>
+              <a:rPr lang="en-US"/>
+              <a:t>Third level</a:t>
+            </a:r>
+          </a:p>
+          <a:p>
+            <a:pPr lvl="3"/>
+            <a:r>
+              <a:rPr lang="en-US"/>
+              <a:t>Fourth level</a:t>
+            </a:r>
+          </a:p>
+          <a:p>
+            <a:pPr lvl="4"/>
+            <a:r>
+              <a:rPr lang="en-US"/>
+              <a:t>Fifth level</a:t>
+            </a:r>
+          </a:p>
+        </p:txBody>
+      </p:sp>
+      <p:sp>
+        <p:nvSpPr>
+          <p:cNvPr id="4" name="Date Placeholder 3"/>
+          <p:cNvSpPr>
+            <a:spLocks noGrp="1"/>
+          </p:cNvSpPr>
+          <p:nvPr>
+            <p:ph type="dt" sz="half" idx="10"/>
+          </p:nvPr>
+        </p:nvSpPr>
+        <p:spPr/>
+        <p:txBody>
+          <a:bodyPr/>
+          <a:lstStyle/>
+          <a:p>
+            <a:fld id="{241EB5C9-1307-BA42-ABA2-0BC069CD8E7F}" type="datetimeFigureOut">
+              <a:rPr lang="en-US" smtClean="0"/>
+              <a:t>11/14/24</a:t>
+            </a:fld>
+            <a:endParaRPr lang="en-US"/>
+          </a:p>
+        </p:txBody>
+      </p:sp>
+      <p:sp>
+        <p:nvSpPr>
+          <p:cNvPr id="5" name="Footer Placeholder 4"/>
+          <p:cNvSpPr>
+            <a:spLocks noGrp="1"/>
+          </p:cNvSpPr>
+          <p:nvPr>
+            <p:ph type="ftr" sz="quarter" idx="11"/>
+          </p:nvPr>
+        </p:nvSpPr>
+        <p:spPr/>
+        <p:txBody>
+          <a:bodyPr/>
+          <a:lstStyle/>
+          <a:p>
+            <a:endParaRPr lang="en-US"/>
+          </a:p>
+        </p:txBody>
+      </p:sp>
+      <p:sp>
+        <p:nvSpPr>
+          <p:cNvPr id="6" name="Slide Number Placeholder 5"/>
+          <p:cNvSpPr>
+            <a:spLocks noGrp="1"/>
+          </p:cNvSpPr>
+          <p:nvPr>
+            <p:ph type="sldNum" sz="quarter" idx="12"/>
+          </p:nvPr>
+        </p:nvSpPr>
+        <p:spPr/>
+        <p:txBody>
+          <a:bodyPr/>
+          <a:lstStyle/>
+          <a:p>
+            <a:fld id="{C5EF2332-01BF-834F-8236-50238282D533}" type="slidenum">
+              <a:rPr lang="en-US" smtClean="0"/>
+              <a:t>‹#›</a:t>
+            </a:fld>
+            <a:endParaRPr lang="en-US"/>
+          </a:p>
+        </p:txBody>
+      </p:sp>
+      <p:graphicFrame>
+        <p:nvGraphicFramePr>
+          <p:cNvPr id="7" name="Table 6">
+            <a:extLst>
+              <a:ext uri="{FF2B5EF4-FFF2-40B4-BE49-F238E27FC236}">
+                <a16:creationId xmlns:a16="http://schemas.microsoft.com/office/drawing/2014/main" id="{40E5F148-B214-9ED5-96D2-C8C952B333EC}"/>
+              </a:ext>
+            </a:extLst>
+          </p:cNvPr>
+          <p:cNvGraphicFramePr>
+            <a:graphicFrameLocks noGrp="1"/>
+          </p:cNvGraphicFramePr>
+          <p:nvPr userDrawn="1">
+            <p:extLst>
+              <p:ext uri="{D42A27DB-BD31-4B8C-83A1-F6EECF244321}">
+                <p14:modId xmlns:p14="http://schemas.microsoft.com/office/powerpoint/2010/main" val="1121345573"/>
+              </p:ext>
+            </p:extLst>
+          </p:nvPr>
+        </p:nvGraphicFramePr>
+        <p:xfrm>
+          <a:off x="1524000" y="539750"/>
+          <a:ext cx="6096000" cy="914400"/>
+        </p:xfrm>
+        <a:graphic>
+          <a:graphicData uri="http://schemas.openxmlformats.org/drawingml/2006/table">
+            <a:tbl>
+              <a:tblPr firstRow="1" bandRow="1">
+                <a:tableStyleId>{69012ECD-51FC-41F1-AA8D-1B2483CD663E}</a:tableStyleId>
+              </a:tblPr>
+              <a:tblGrid>
+                <a:gridCol w="2032000">
+                  <a:extLst>
+                    <a:ext uri="{9D8B030D-6E8A-4147-A177-3AD203B41FA5}">
+                      <a16:colId xmlns:a16="http://schemas.microsoft.com/office/drawing/2014/main" val="271011269"/>
+                    </a:ext>
+                  </a:extLst>
+                </a:gridCol>
+                <a:gridCol w="2032000">
+                  <a:extLst>
+                    <a:ext uri="{9D8B030D-6E8A-4147-A177-3AD203B41FA5}">
+                      <a16:colId xmlns:a16="http://schemas.microsoft.com/office/drawing/2014/main" val="2080703046"/>
+                    </a:ext>
+                  </a:extLst>
+                </a:gridCol>
+                <a:gridCol w="2032000">
+                  <a:extLst>
+                    <a:ext uri="{9D8B030D-6E8A-4147-A177-3AD203B41FA5}">
+                      <a16:colId xmlns:a16="http://schemas.microsoft.com/office/drawing/2014/main" val="1138284043"/>
+                    </a:ext>
+                  </a:extLst>
+                </a:gridCol>
+              </a:tblGrid>
+              <a:tr h="370840">
+                <a:tc>
+                  <a:txBody>
+                    <a:bodyPr/>
+                    <a:lstStyle/>
+                    <a:p>
+                      <a:endParaRPr lang="en-US" sz="2400" dirty="0"/>
+                    </a:p>
+                  </a:txBody>
+                  <a:tcPr/>
+                </a:tc>
+                <a:tc>
+                  <a:txBody>
+                    <a:bodyPr/>
+                    <a:lstStyle/>
+                    <a:p>
+                      <a:endParaRPr lang="en-US" sz="2400" dirty="0"/>
+                    </a:p>
+                  </a:txBody>
+                  <a:tcPr/>
+                </a:tc>
+                <a:tc>
+                  <a:txBody>
+                    <a:bodyPr/>
+                    <a:lstStyle/>
+                    <a:p>
+                      <a:endParaRPr lang="en-US" sz="2400"/>
+                    </a:p>
+                  </a:txBody>
+                  <a:tcPr/>
+                </a:tc>
+                <a:extLst>
+                  <a:ext uri="{0D108BD9-81ED-4DB2-BD59-A6C34878D82A}">
+                    <a16:rowId xmlns:a16="http://schemas.microsoft.com/office/drawing/2014/main" val="769229322"/>
+                  </a:ext>
+                </a:extLst>
+              </a:tr>
+              <a:tr h="370840">
+                <a:tc>
+                  <a:txBody>
+                    <a:bodyPr/>
+                    <a:lstStyle/>
+                    <a:p>
+                      <a:endParaRPr lang="en-US" sz="2400"/>
+                    </a:p>
+                  </a:txBody>
+                  <a:tcPr/>
+                </a:tc>
+                <a:tc>
+                  <a:txBody>
+                    <a:bodyPr/>
+                    <a:lstStyle/>
+                    <a:p>
+                      <a:endParaRPr lang="en-US" sz="2400" dirty="0"/>
+                    </a:p>
+                  </a:txBody>
+                  <a:tcPr/>
+                </a:tc>
+                <a:tc>
+                  <a:txBody>
+                    <a:bodyPr/>
+                    <a:lstStyle/>
+                    <a:p>
+                      <a:endParaRPr lang="en-US" sz="2400" dirty="0"/>
+                    </a:p>
+                  </a:txBody>
+                  <a:tcPr/>
+                </a:tc>
+                <a:extLst>
+                  <a:ext uri="{0D108BD9-81ED-4DB2-BD59-A6C34878D82A}">
+                    <a16:rowId xmlns:a16="http://schemas.microsoft.com/office/drawing/2014/main" val="184196425"/>
+                  </a:ext>
+                </a:extLst>
+              </a:tr>
+            </a:tbl>
+          </a:graphicData>
+        </a:graphic>
+      </p:graphicFrame>
+    </p:spTree>
+    <p:extLst>
+      <p:ext uri="{BB962C8B-B14F-4D97-AF65-F5344CB8AC3E}">
+        <p14:creationId xmlns:p14="http://schemas.microsoft.com/office/powerpoint/2010/main" val="2939788966"/>
       </p:ext>
     </p:extLst>
   </p:cSld>
@@ -768,39 +1077,49 @@
         <p:spPr/>
         <p:txBody>
           <a:bodyPr/>
-          <a:lstStyle/>
+          <a:lstStyle>
+            <a:lvl1pPr>
+              <a:defRPr sz="2800"/>
+            </a:lvl1pPr>
+            <a:lvl2pPr>
+              <a:defRPr sz="2800"/>
+            </a:lvl2pPr>
+            <a:lvl3pPr>
+              <a:defRPr sz="2400"/>
+            </a:lvl3pPr>
+          </a:lstStyle>
           <a:p>
             <a:pPr lvl="0"/>
             <a:r>
-              <a:rPr lang="en-US"/>
+              <a:rPr lang="en-US" dirty="0"/>
               <a:t>Click to edit Master text styles</a:t>
             </a:r>
           </a:p>
           <a:p>
             <a:pPr lvl="1"/>
             <a:r>
-              <a:rPr lang="en-US"/>
+              <a:rPr lang="en-US" dirty="0"/>
               <a:t>Second level</a:t>
             </a:r>
           </a:p>
           <a:p>
             <a:pPr lvl="2"/>
             <a:r>
-              <a:rPr lang="en-US"/>
+              <a:rPr lang="en-US" dirty="0"/>
               <a:t>Third level</a:t>
             </a:r>
           </a:p>
           <a:p>
             <a:pPr lvl="3"/>
             <a:r>
-              <a:rPr lang="en-US"/>
+              <a:rPr lang="en-US" dirty="0"/>
               <a:t>Fourth level</a:t>
             </a:r>
           </a:p>
           <a:p>
             <a:pPr lvl="4"/>
             <a:r>
-              <a:rPr lang="en-US"/>
+              <a:rPr lang="en-US" dirty="0"/>
               <a:t>Fifth level</a:t>
             </a:r>
           </a:p>
@@ -823,7 +1142,7 @@
           <a:p>
             <a:fld id="{241EB5C9-1307-BA42-ABA2-0BC069CD8E7F}" type="datetimeFigureOut">
               <a:rPr lang="en-US" smtClean="0"/>
-              <a:t>1/2/22</a:t>
+              <a:t>11/14/24</a:t>
             </a:fld>
             <a:endParaRPr lang="en-US"/>
           </a:p>
@@ -881,6 +1200,22 @@
   <p:clrMapOvr>
     <a:masterClrMapping/>
   </p:clrMapOvr>
+  <p:extLst>
+    <p:ext uri="{DCECCB84-F9BA-43D5-87BE-67443E8EF086}">
+      <p15:sldGuideLst xmlns:p15="http://schemas.microsoft.com/office/powerpoint/2012/main">
+        <p15:guide id="1" orient="horz" pos="1620" userDrawn="1">
+          <p15:clr>
+            <a:srgbClr val="FBAE40"/>
+          </p15:clr>
+        </p15:guide>
+        <p15:guide id="2" pos="2880" userDrawn="1">
+          <p15:clr>
+            <a:srgbClr val="FBAE40"/>
+          </p15:clr>
+        </p15:guide>
+      </p15:sldGuideLst>
+    </p:ext>
+  </p:extLst>
 </p:sldLayout>
 </file>
 
@@ -1068,7 +1403,7 @@
           <a:p>
             <a:fld id="{241EB5C9-1307-BA42-ABA2-0BC069CD8E7F}" type="datetimeFigureOut">
               <a:rPr lang="en-US" smtClean="0"/>
-              <a:t>1/2/22</a:t>
+              <a:t>11/14/24</a:t>
             </a:fld>
             <a:endParaRPr lang="en-US"/>
           </a:p>
@@ -1188,7 +1523,7 @@
           <a:bodyPr/>
           <a:lstStyle>
             <a:lvl1pPr>
-              <a:defRPr sz="2100"/>
+              <a:defRPr sz="2400"/>
             </a:lvl1pPr>
             <a:lvl2pPr>
               <a:defRPr sz="1800"/>
@@ -1218,35 +1553,35 @@
           <a:p>
             <a:pPr lvl="0"/>
             <a:r>
-              <a:rPr lang="en-US"/>
+              <a:rPr lang="en-US" dirty="0"/>
               <a:t>Click to edit Master text styles</a:t>
             </a:r>
           </a:p>
           <a:p>
             <a:pPr lvl="1"/>
             <a:r>
-              <a:rPr lang="en-US"/>
+              <a:rPr lang="en-US" dirty="0"/>
               <a:t>Second level</a:t>
             </a:r>
           </a:p>
           <a:p>
             <a:pPr lvl="2"/>
             <a:r>
-              <a:rPr lang="en-US"/>
+              <a:rPr lang="en-US" dirty="0"/>
               <a:t>Third level</a:t>
             </a:r>
           </a:p>
           <a:p>
             <a:pPr lvl="3"/>
             <a:r>
-              <a:rPr lang="en-US"/>
+              <a:rPr lang="en-US" dirty="0"/>
               <a:t>Fourth level</a:t>
             </a:r>
           </a:p>
           <a:p>
             <a:pPr lvl="4"/>
             <a:r>
-              <a:rPr lang="en-US"/>
+              <a:rPr lang="en-US" dirty="0"/>
               <a:t>Fifth level</a:t>
             </a:r>
           </a:p>
@@ -1272,7 +1607,7 @@
           <a:bodyPr/>
           <a:lstStyle>
             <a:lvl1pPr>
-              <a:defRPr sz="2100"/>
+              <a:defRPr sz="2400"/>
             </a:lvl1pPr>
             <a:lvl2pPr>
               <a:defRPr sz="1800"/>
@@ -1302,35 +1637,35 @@
           <a:p>
             <a:pPr lvl="0"/>
             <a:r>
-              <a:rPr lang="en-US"/>
+              <a:rPr lang="en-US" dirty="0"/>
               <a:t>Click to edit Master text styles</a:t>
             </a:r>
           </a:p>
           <a:p>
             <a:pPr lvl="1"/>
             <a:r>
-              <a:rPr lang="en-US"/>
+              <a:rPr lang="en-US" dirty="0"/>
               <a:t>Second level</a:t>
             </a:r>
           </a:p>
           <a:p>
             <a:pPr lvl="2"/>
             <a:r>
-              <a:rPr lang="en-US"/>
+              <a:rPr lang="en-US" dirty="0"/>
               <a:t>Third level</a:t>
             </a:r>
           </a:p>
           <a:p>
             <a:pPr lvl="3"/>
             <a:r>
-              <a:rPr lang="en-US"/>
+              <a:rPr lang="en-US" dirty="0"/>
               <a:t>Fourth level</a:t>
             </a:r>
           </a:p>
           <a:p>
             <a:pPr lvl="4"/>
             <a:r>
-              <a:rPr lang="en-US"/>
+              <a:rPr lang="en-US" dirty="0"/>
               <a:t>Fifth level</a:t>
             </a:r>
           </a:p>
@@ -1353,7 +1688,7 @@
           <a:p>
             <a:fld id="{241EB5C9-1307-BA42-ABA2-0BC069CD8E7F}" type="datetimeFigureOut">
               <a:rPr lang="en-US" smtClean="0"/>
-              <a:t>1/2/22</a:t>
+              <a:t>11/14/24</a:t>
             </a:fld>
             <a:endParaRPr lang="en-US"/>
           </a:p>
@@ -1772,7 +2107,7 @@
           <a:p>
             <a:fld id="{241EB5C9-1307-BA42-ABA2-0BC069CD8E7F}" type="datetimeFigureOut">
               <a:rPr lang="en-US" smtClean="0"/>
-              <a:t>1/2/22</a:t>
+              <a:t>11/14/24</a:t>
             </a:fld>
             <a:endParaRPr lang="en-US"/>
           </a:p>
@@ -1889,7 +2224,7 @@
           <a:p>
             <a:fld id="{241EB5C9-1307-BA42-ABA2-0BC069CD8E7F}" type="datetimeFigureOut">
               <a:rPr lang="en-US" smtClean="0"/>
-              <a:t>1/2/22</a:t>
+              <a:t>11/14/24</a:t>
             </a:fld>
             <a:endParaRPr lang="en-US"/>
           </a:p>
@@ -1984,7 +2319,7 @@
           <a:p>
             <a:fld id="{241EB5C9-1307-BA42-ABA2-0BC069CD8E7F}" type="datetimeFigureOut">
               <a:rPr lang="en-US" smtClean="0"/>
-              <a:t>1/2/22</a:t>
+              <a:t>11/14/24</a:t>
             </a:fld>
             <a:endParaRPr lang="en-US"/>
           </a:p>
@@ -2259,7 +2594,7 @@
           <a:p>
             <a:fld id="{241EB5C9-1307-BA42-ABA2-0BC069CD8E7F}" type="datetimeFigureOut">
               <a:rPr lang="en-US" smtClean="0"/>
-              <a:t>1/2/22</a:t>
+              <a:t>11/14/24</a:t>
             </a:fld>
             <a:endParaRPr lang="en-US"/>
           </a:p>
@@ -2511,7 +2846,7 @@
           <a:p>
             <a:fld id="{241EB5C9-1307-BA42-ABA2-0BC069CD8E7F}" type="datetimeFigureOut">
               <a:rPr lang="en-US" smtClean="0"/>
-              <a:t>1/2/22</a:t>
+              <a:t>11/14/24</a:t>
             </a:fld>
             <a:endParaRPr lang="en-US"/>
           </a:p>
@@ -2722,7 +3057,7 @@
           <a:p>
             <a:fld id="{241EB5C9-1307-BA42-ABA2-0BC069CD8E7F}" type="datetimeFigureOut">
               <a:rPr lang="en-US" smtClean="0"/>
-              <a:t>1/2/22</a:t>
+              <a:t>11/14/24</a:t>
             </a:fld>
             <a:endParaRPr lang="en-US"/>
           </a:p>
@@ -2826,6 +3161,7 @@
     <p:sldLayoutId id="2147483657" r:id="rId9"/>
     <p:sldLayoutId id="2147483658" r:id="rId10"/>
     <p:sldLayoutId id="2147483659" r:id="rId11"/>
+    <p:sldLayoutId id="2147483660" r:id="rId12"/>
   </p:sldLayoutIdLst>
   <p:txStyles>
     <p:titleStyle>

--- a/lci_cvport.pptx
+++ b/lci_cvport.pptx
@@ -3767,7 +3767,7 @@
             <a:pPr lvl="0"/>
             <a:r>
               <a:rPr/>
-              <a:t>Some chemotherapy (such as FLOT) can’t be given through peripheral IV</a:t>
+              <a:t>Not suitable for FLOT chemotherapy</a:t>
             </a:r>
           </a:p>
         </p:txBody>
@@ -4011,14 +4011,14 @@
             <a:pPr lvl="0"/>
             <a:r>
               <a:rPr/>
+              <a:t>May shower within 24 hours</a:t>
+            </a:r>
+          </a:p>
+          <a:p>
+            <a:pPr lvl="0"/>
+            <a:r>
+              <a:rPr/>
               <a:t>No special care at home</a:t>
-            </a:r>
-          </a:p>
-          <a:p>
-            <a:pPr lvl="0"/>
-            <a:r>
-              <a:rPr/>
-              <a:t>Allows showering, bathing, swimming</a:t>
             </a:r>
           </a:p>
           <a:p>

--- a/lci_cvport.pptx
+++ b/lci_cvport.pptx
@@ -3558,7 +3558,7 @@
             </a:pPr>
             <a:r>
               <a:rPr/>
-              <a:t>Most chemotherapy for esophageal cancer is administered into a vein.</a:t>
+              <a:t>Most chemotherapy is administered by vein.</a:t>
             </a:r>
           </a:p>
           <a:p>
@@ -3904,7 +3904,7 @@
             </a:pPr>
             <a:r>
               <a:rPr/>
-              <a:t>Special care is needed at home to keep the catheter and it’s dressing clean and dry</a:t>
+              <a:t>Special care needed at home to keep catheter and dressing clean and dry</a:t>
             </a:r>
           </a:p>
         </p:txBody>

--- a/lci_cvport.pptx
+++ b/lci_cvport.pptx
@@ -3567,7 +3567,7 @@
             </a:pPr>
             <a:r>
               <a:rPr/>
-              <a:t>Several options exist to administer chemotherapy through veins:</a:t>
+              <a:t>Several options exist to administer chemotherapy:</a:t>
             </a:r>
           </a:p>
           <a:p>

--- a/lci_cvport.pptx
+++ b/lci_cvport.pptx
@@ -12,7 +12,6 @@
     <p:sldId id="260" r:id="rId6"/>
     <p:sldId id="261" r:id="rId7"/>
     <p:sldId id="262" r:id="rId8"/>
-    <p:sldId id="263" r:id="rId9"/>
   </p:sldIdLst>
   <p:sldSz cx="9144000" cy="5143500" type="screen16x9"/>
   <p:notesSz cx="6858000" cy="9144000"/>
@@ -309,7 +308,7 @@
           <a:p>
             <a:fld id="{241EB5C9-1307-BA42-ABA2-0BC069CD8E7F}" type="datetimeFigureOut">
               <a:rPr lang="en-US" smtClean="0"/>
-              <a:t>11/14/24</a:t>
+              <a:t>1/8/25</a:t>
             </a:fld>
             <a:endParaRPr lang="en-US"/>
           </a:p>
@@ -477,7 +476,7 @@
           <a:p>
             <a:fld id="{241EB5C9-1307-BA42-ABA2-0BC069CD8E7F}" type="datetimeFigureOut">
               <a:rPr lang="en-US" smtClean="0"/>
-              <a:t>11/14/24</a:t>
+              <a:t>1/8/25</a:t>
             </a:fld>
             <a:endParaRPr lang="en-US"/>
           </a:p>
@@ -655,7 +654,7 @@
           <a:p>
             <a:fld id="{241EB5C9-1307-BA42-ABA2-0BC069CD8E7F}" type="datetimeFigureOut">
               <a:rPr lang="en-US" smtClean="0"/>
-              <a:t>11/14/24</a:t>
+              <a:t>1/8/25</a:t>
             </a:fld>
             <a:endParaRPr lang="en-US"/>
           </a:p>
@@ -833,7 +832,7 @@
           <a:p>
             <a:fld id="{241EB5C9-1307-BA42-ABA2-0BC069CD8E7F}" type="datetimeFigureOut">
               <a:rPr lang="en-US" smtClean="0"/>
-              <a:t>11/14/24</a:t>
+              <a:t>1/8/25</a:t>
             </a:fld>
             <a:endParaRPr lang="en-US"/>
           </a:p>
@@ -1078,7 +1077,8 @@
         <p:txBody>
           <a:bodyPr/>
           <a:lstStyle>
-            <a:lvl1pPr>
+            <a:lvl1pPr marL="228600" indent="-228600">
+              <a:tabLst/>
               <a:defRPr sz="2800"/>
             </a:lvl1pPr>
             <a:lvl2pPr>
@@ -1142,7 +1142,7 @@
           <a:p>
             <a:fld id="{241EB5C9-1307-BA42-ABA2-0BC069CD8E7F}" type="datetimeFigureOut">
               <a:rPr lang="en-US" smtClean="0"/>
-              <a:t>11/14/24</a:t>
+              <a:t>1/8/25</a:t>
             </a:fld>
             <a:endParaRPr lang="en-US"/>
           </a:p>
@@ -1403,7 +1403,7 @@
           <a:p>
             <a:fld id="{241EB5C9-1307-BA42-ABA2-0BC069CD8E7F}" type="datetimeFigureOut">
               <a:rPr lang="en-US" smtClean="0"/>
-              <a:t>11/14/24</a:t>
+              <a:t>1/8/25</a:t>
             </a:fld>
             <a:endParaRPr lang="en-US"/>
           </a:p>
@@ -1522,8 +1522,9 @@
         <p:txBody>
           <a:bodyPr/>
           <a:lstStyle>
-            <a:lvl1pPr>
-              <a:defRPr sz="2400"/>
+            <a:lvl1pPr marL="174625" indent="-174625">
+              <a:tabLst/>
+              <a:defRPr sz="2800"/>
             </a:lvl1pPr>
             <a:lvl2pPr>
               <a:defRPr sz="1800"/>
@@ -1606,8 +1607,9 @@
         <p:txBody>
           <a:bodyPr/>
           <a:lstStyle>
-            <a:lvl1pPr>
-              <a:defRPr sz="2400"/>
+            <a:lvl1pPr marL="174625" indent="-174625">
+              <a:tabLst/>
+              <a:defRPr sz="2800"/>
             </a:lvl1pPr>
             <a:lvl2pPr>
               <a:defRPr sz="1800"/>
@@ -1688,7 +1690,7 @@
           <a:p>
             <a:fld id="{241EB5C9-1307-BA42-ABA2-0BC069CD8E7F}" type="datetimeFigureOut">
               <a:rPr lang="en-US" smtClean="0"/>
-              <a:t>11/14/24</a:t>
+              <a:t>1/8/25</a:t>
             </a:fld>
             <a:endParaRPr lang="en-US"/>
           </a:p>
@@ -2107,7 +2109,7 @@
           <a:p>
             <a:fld id="{241EB5C9-1307-BA42-ABA2-0BC069CD8E7F}" type="datetimeFigureOut">
               <a:rPr lang="en-US" smtClean="0"/>
-              <a:t>11/14/24</a:t>
+              <a:t>1/8/25</a:t>
             </a:fld>
             <a:endParaRPr lang="en-US"/>
           </a:p>
@@ -2224,7 +2226,7 @@
           <a:p>
             <a:fld id="{241EB5C9-1307-BA42-ABA2-0BC069CD8E7F}" type="datetimeFigureOut">
               <a:rPr lang="en-US" smtClean="0"/>
-              <a:t>11/14/24</a:t>
+              <a:t>1/8/25</a:t>
             </a:fld>
             <a:endParaRPr lang="en-US"/>
           </a:p>
@@ -2319,7 +2321,7 @@
           <a:p>
             <a:fld id="{241EB5C9-1307-BA42-ABA2-0BC069CD8E7F}" type="datetimeFigureOut">
               <a:rPr lang="en-US" smtClean="0"/>
-              <a:t>11/14/24</a:t>
+              <a:t>1/8/25</a:t>
             </a:fld>
             <a:endParaRPr lang="en-US"/>
           </a:p>
@@ -2594,7 +2596,7 @@
           <a:p>
             <a:fld id="{241EB5C9-1307-BA42-ABA2-0BC069CD8E7F}" type="datetimeFigureOut">
               <a:rPr lang="en-US" smtClean="0"/>
-              <a:t>11/14/24</a:t>
+              <a:t>1/8/25</a:t>
             </a:fld>
             <a:endParaRPr lang="en-US"/>
           </a:p>
@@ -2846,7 +2848,7 @@
           <a:p>
             <a:fld id="{241EB5C9-1307-BA42-ABA2-0BC069CD8E7F}" type="datetimeFigureOut">
               <a:rPr lang="en-US" smtClean="0"/>
-              <a:t>11/14/24</a:t>
+              <a:t>1/8/25</a:t>
             </a:fld>
             <a:endParaRPr lang="en-US"/>
           </a:p>
@@ -3057,7 +3059,7 @@
           <a:p>
             <a:fld id="{241EB5C9-1307-BA42-ABA2-0BC069CD8E7F}" type="datetimeFigureOut">
               <a:rPr lang="en-US" smtClean="0"/>
-              <a:t>11/14/24</a:t>
+              <a:t>1/8/25</a:t>
             </a:fld>
             <a:endParaRPr lang="en-US"/>
           </a:p>
@@ -3413,6 +3415,22 @@
       </a:lvl9pPr>
     </p:otherStyle>
   </p:txStyles>
+  <p:extLst>
+    <p:ext uri="{27BBF7A9-308A-43DC-89C8-2F10F3537804}">
+      <p15:sldGuideLst xmlns:p15="http://schemas.microsoft.com/office/powerpoint/2012/main">
+        <p15:guide id="1" orient="horz" pos="1620" userDrawn="1">
+          <p15:clr>
+            <a:srgbClr val="F26B43"/>
+          </p15:clr>
+        </p15:guide>
+        <p15:guide id="2" pos="2880" userDrawn="1">
+          <p15:clr>
+            <a:srgbClr val="F26B43"/>
+          </p15:clr>
+        </p15:guide>
+      </p15:sldGuideLst>
+    </p:ext>
+  </p:extLst>
 </p:sldMaster>
 </file>
 
@@ -3599,87 +3617,6 @@
 </file>
 
 <file path=ppt/slides/slide3.xml><?xml version="1.0" encoding="utf-8"?>
-<p:sld xmlns:a="http://schemas.openxmlformats.org/drawingml/2006/main" xmlns:r="http://schemas.openxmlformats.org/officeDocument/2006/relationships" xmlns:p="http://schemas.openxmlformats.org/presentationml/2006/main">
-  <p:cSld>
-    <p:spTree>
-      <p:nvGrpSpPr>
-        <p:cNvPr id="1" name=""/>
-        <p:cNvGrpSpPr/>
-        <p:nvPr/>
-      </p:nvGrpSpPr>
-      <p:grpSpPr>
-        <a:xfrm>
-          <a:off x="0" y="0"/>
-          <a:ext cx="0" cy="0"/>
-          <a:chOff x="0" y="0"/>
-          <a:chExt cx="0" cy="0"/>
-        </a:xfrm>
-      </p:grpSpPr>
-      <p:sp>
-        <p:nvSpPr>
-          <p:cNvPr id="2" name="Title 1"/>
-          <p:cNvSpPr>
-            <a:spLocks noGrp="1"/>
-          </p:cNvSpPr>
-          <p:nvPr>
-            <p:ph type="title"/>
-          </p:nvPr>
-        </p:nvSpPr>
-        <p:spPr/>
-        <p:txBody>
-          <a:bodyPr/>
-          <a:lstStyle/>
-          <a:p>
-            <a:pPr lvl="0" indent="0" marL="0">
-              <a:buNone/>
-            </a:pPr>
-            <a:r>
-              <a:rPr/>
-              <a:t>Peripheral IV catheter</a:t>
-            </a:r>
-          </a:p>
-        </p:txBody>
-      </p:sp>
-      <p:sp>
-        <p:nvSpPr>
-          <p:cNvPr id="3" name="Content Placeholder 2"/>
-          <p:cNvSpPr>
-            <a:spLocks noGrp="1"/>
-          </p:cNvSpPr>
-          <p:nvPr>
-            <p:ph idx="1"/>
-          </p:nvPr>
-        </p:nvSpPr>
-        <p:spPr/>
-        <p:txBody>
-          <a:bodyPr/>
-          <a:lstStyle/>
-          <a:p>
-            <a:pPr lvl="0" indent="0" marL="0">
-              <a:buNone/>
-            </a:pPr>
-            <a:r>
-              <a:rPr/>
-              <a:t>A peripheral IV catheter involves placing a small tube into the veins, which is then used to give fluids or chemotherapy</a:t>
-            </a:r>
-          </a:p>
-          <a:p>
-            <a:pPr lvl="0" indent="0" marL="0">
-              <a:buNone/>
-            </a:pPr>
-            <a:r>
-              <a:rPr/>
-              <a:t>A new catheter is placed for each dose of chemotherapy</a:t>
-            </a:r>
-          </a:p>
-        </p:txBody>
-      </p:sp>
-    </p:spTree>
-  </p:cSld>
-</p:sld>
-</file>
-
-<file path=ppt/slides/slide4.xml><?xml version="1.0" encoding="utf-8"?>
 <p:sld xmlns:a="http://schemas.openxmlformats.org/drawingml/2006/main" xmlns:r="http://schemas.openxmlformats.org/officeDocument/2006/relationships" xmlns:p="http://schemas.openxmlformats.org/presentationml/2006/main">
   <p:cSld>
     <p:spTree>
@@ -3807,7 +3744,7 @@
 </p:sld>
 </file>
 
-<file path=ppt/slides/slide5.xml><?xml version="1.0" encoding="utf-8"?>
+<file path=ppt/slides/slide4.xml><?xml version="1.0" encoding="utf-8"?>
 <p:sld xmlns:a="http://schemas.openxmlformats.org/drawingml/2006/main" xmlns:r="http://schemas.openxmlformats.org/officeDocument/2006/relationships" xmlns:p="http://schemas.openxmlformats.org/presentationml/2006/main">
   <p:cSld>
     <p:spTree>
@@ -3881,14 +3818,7 @@
             <a:pPr lvl="0"/>
             <a:r>
               <a:rPr/>
-              <a:t>Can stay in place for weeks</a:t>
-            </a:r>
-          </a:p>
-          <a:p>
-            <a:pPr lvl="0"/>
-            <a:r>
-              <a:rPr/>
-              <a:t>Special care is needed at home to keep it clean and dry</a:t>
+              <a:t>Special care needed to keep it clean and dry</a:t>
             </a:r>
           </a:p>
           <a:p>
@@ -3896,15 +3826,6 @@
             <a:r>
               <a:rPr/>
               <a:t>Suitable for FLOT chemotherapy</a:t>
-            </a:r>
-          </a:p>
-          <a:p>
-            <a:pPr lvl="0" indent="0" marL="0">
-              <a:buNone/>
-            </a:pPr>
-            <a:r>
-              <a:rPr/>
-              <a:t>Special care needed at home to keep catheter and dressing clean and dry</a:t>
             </a:r>
           </a:p>
         </p:txBody>
@@ -3944,7 +3865,7 @@
 </p:sld>
 </file>
 
-<file path=ppt/slides/slide6.xml><?xml version="1.0" encoding="utf-8"?>
+<file path=ppt/slides/slide5.xml><?xml version="1.0" encoding="utf-8"?>
 <p:sld xmlns:a="http://schemas.openxmlformats.org/drawingml/2006/main" xmlns:r="http://schemas.openxmlformats.org/officeDocument/2006/relationships" xmlns:p="http://schemas.openxmlformats.org/presentationml/2006/main">
   <p:cSld>
     <p:spTree>
@@ -4011,7 +3932,7 @@
             <a:pPr lvl="0"/>
             <a:r>
               <a:rPr/>
-              <a:t>May shower within 24 hours</a:t>
+              <a:t>May shower within 24 hrs</a:t>
             </a:r>
           </a:p>
           <a:p>
@@ -4025,7 +3946,7 @@
             <a:pPr lvl="0"/>
             <a:r>
               <a:rPr/>
-              <a:t>Suitable for FLOT chemotherapy</a:t>
+              <a:t>Suitable for FLOT chemo</a:t>
             </a:r>
           </a:p>
           <a:p>
@@ -4072,7 +3993,7 @@
 </p:sld>
 </file>
 
-<file path=ppt/slides/slide7.xml><?xml version="1.0" encoding="utf-8"?>
+<file path=ppt/slides/slide6.xml><?xml version="1.0" encoding="utf-8"?>
 <p:sld xmlns:a="http://schemas.openxmlformats.org/drawingml/2006/main" xmlns:r="http://schemas.openxmlformats.org/officeDocument/2006/relationships" xmlns:p="http://schemas.openxmlformats.org/presentationml/2006/main">
   <p:cSld>
     <p:spTree>
@@ -4200,7 +4121,7 @@
 </p:sld>
 </file>
 
-<file path=ppt/slides/slide8.xml><?xml version="1.0" encoding="utf-8"?>
+<file path=ppt/slides/slide7.xml><?xml version="1.0" encoding="utf-8"?>
 <p:sld xmlns:a="http://schemas.openxmlformats.org/drawingml/2006/main" xmlns:r="http://schemas.openxmlformats.org/officeDocument/2006/relationships" xmlns:p="http://schemas.openxmlformats.org/presentationml/2006/main">
   <p:cSld>
     <p:spTree>

--- a/lci_cvport.pptx
+++ b/lci_cvport.pptx
@@ -3818,7 +3818,7 @@
             <a:pPr lvl="0"/>
             <a:r>
               <a:rPr/>
-              <a:t>Special care needed to keep it clean and dry</a:t>
+              <a:t>Needs to be kept clean and dry</a:t>
             </a:r>
           </a:p>
           <a:p>

--- a/lci_cvport.pptx
+++ b/lci_cvport.pptx
@@ -3690,14 +3690,14 @@
             <a:pPr lvl="0"/>
             <a:r>
               <a:rPr/>
-              <a:t>Placed at the beginning of each dose</a:t>
+              <a:t>Placed for each dose</a:t>
             </a:r>
           </a:p>
           <a:p>
             <a:pPr lvl="0"/>
             <a:r>
               <a:rPr/>
-              <a:t>Removed that day at the end of treatment</a:t>
+              <a:t>Removed that day</a:t>
             </a:r>
           </a:p>
           <a:p>
@@ -3932,7 +3932,7 @@
             <a:pPr lvl="0"/>
             <a:r>
               <a:rPr/>
-              <a:t>May shower within 24 hrs</a:t>
+              <a:t>May shower in 24 hrs</a:t>
             </a:r>
           </a:p>
           <a:p>
@@ -4053,14 +4053,14 @@
             <a:pPr lvl="0"/>
             <a:r>
               <a:rPr/>
-              <a:t>Placed underneath the skin below the right collarbone</a:t>
+              <a:t>Implanted under the skin</a:t>
             </a:r>
           </a:p>
           <a:p>
             <a:pPr lvl="0"/>
             <a:r>
               <a:rPr/>
-              <a:t>Incision in the neck (1/4”)</a:t>
+              <a:t>Neck incision (1/4”)</a:t>
             </a:r>
           </a:p>
           <a:p>

--- a/lci_cvport.pptx
+++ b/lci_cvport.pptx
@@ -308,7 +308,7 @@
           <a:p>
             <a:fld id="{241EB5C9-1307-BA42-ABA2-0BC069CD8E7F}" type="datetimeFigureOut">
               <a:rPr lang="en-US" smtClean="0"/>
-              <a:t>1/8/25</a:t>
+              <a:t>1/11/25</a:t>
             </a:fld>
             <a:endParaRPr lang="en-US"/>
           </a:p>
@@ -476,7 +476,7 @@
           <a:p>
             <a:fld id="{241EB5C9-1307-BA42-ABA2-0BC069CD8E7F}" type="datetimeFigureOut">
               <a:rPr lang="en-US" smtClean="0"/>
-              <a:t>1/8/25</a:t>
+              <a:t>1/11/25</a:t>
             </a:fld>
             <a:endParaRPr lang="en-US"/>
           </a:p>
@@ -654,7 +654,7 @@
           <a:p>
             <a:fld id="{241EB5C9-1307-BA42-ABA2-0BC069CD8E7F}" type="datetimeFigureOut">
               <a:rPr lang="en-US" smtClean="0"/>
-              <a:t>1/8/25</a:t>
+              <a:t>1/11/25</a:t>
             </a:fld>
             <a:endParaRPr lang="en-US"/>
           </a:p>
@@ -832,7 +832,7 @@
           <a:p>
             <a:fld id="{241EB5C9-1307-BA42-ABA2-0BC069CD8E7F}" type="datetimeFigureOut">
               <a:rPr lang="en-US" smtClean="0"/>
-              <a:t>1/8/25</a:t>
+              <a:t>1/11/25</a:t>
             </a:fld>
             <a:endParaRPr lang="en-US"/>
           </a:p>
@@ -1051,7 +1051,12 @@
             <p:ph type="title"/>
           </p:nvPr>
         </p:nvSpPr>
-        <p:spPr/>
+        <p:spPr>
+          <a:xfrm>
+            <a:off x="284309" y="205979"/>
+            <a:ext cx="8552330" cy="857250"/>
+          </a:xfrm>
+        </p:spPr>
         <p:txBody>
           <a:bodyPr/>
           <a:lstStyle/>
@@ -1073,7 +1078,12 @@
             <p:ph idx="1"/>
           </p:nvPr>
         </p:nvSpPr>
-        <p:spPr/>
+        <p:spPr>
+          <a:xfrm>
+            <a:off x="284309" y="1200151"/>
+            <a:ext cx="8552330" cy="3737370"/>
+          </a:xfrm>
+        </p:spPr>
         <p:txBody>
           <a:bodyPr/>
           <a:lstStyle>
@@ -1122,71 +1132,6 @@
               <a:rPr lang="en-US" dirty="0"/>
               <a:t>Fifth level</a:t>
             </a:r>
-          </a:p>
-        </p:txBody>
-      </p:sp>
-      <p:sp>
-        <p:nvSpPr>
-          <p:cNvPr id="4" name="Date Placeholder 3"/>
-          <p:cNvSpPr>
-            <a:spLocks noGrp="1"/>
-          </p:cNvSpPr>
-          <p:nvPr>
-            <p:ph type="dt" sz="half" idx="10"/>
-          </p:nvPr>
-        </p:nvSpPr>
-        <p:spPr/>
-        <p:txBody>
-          <a:bodyPr/>
-          <a:lstStyle/>
-          <a:p>
-            <a:fld id="{241EB5C9-1307-BA42-ABA2-0BC069CD8E7F}" type="datetimeFigureOut">
-              <a:rPr lang="en-US" smtClean="0"/>
-              <a:t>1/8/25</a:t>
-            </a:fld>
-            <a:endParaRPr lang="en-US"/>
-          </a:p>
-        </p:txBody>
-      </p:sp>
-      <p:sp>
-        <p:nvSpPr>
-          <p:cNvPr id="5" name="Footer Placeholder 4"/>
-          <p:cNvSpPr>
-            <a:spLocks noGrp="1"/>
-          </p:cNvSpPr>
-          <p:nvPr>
-            <p:ph type="ftr" sz="quarter" idx="11"/>
-          </p:nvPr>
-        </p:nvSpPr>
-        <p:spPr/>
-        <p:txBody>
-          <a:bodyPr/>
-          <a:lstStyle/>
-          <a:p>
-            <a:endParaRPr lang="en-US"/>
-          </a:p>
-        </p:txBody>
-      </p:sp>
-      <p:sp>
-        <p:nvSpPr>
-          <p:cNvPr id="6" name="Slide Number Placeholder 5"/>
-          <p:cNvSpPr>
-            <a:spLocks noGrp="1"/>
-          </p:cNvSpPr>
-          <p:nvPr>
-            <p:ph type="sldNum" sz="quarter" idx="12"/>
-          </p:nvPr>
-        </p:nvSpPr>
-        <p:spPr/>
-        <p:txBody>
-          <a:bodyPr/>
-          <a:lstStyle/>
-          <a:p>
-            <a:fld id="{C5EF2332-01BF-834F-8236-50238282D533}" type="slidenum">
-              <a:rPr lang="en-US" smtClean="0"/>
-              <a:t>‹#›</a:t>
-            </a:fld>
-            <a:endParaRPr lang="en-US"/>
           </a:p>
         </p:txBody>
       </p:sp>
@@ -1403,7 +1348,7 @@
           <a:p>
             <a:fld id="{241EB5C9-1307-BA42-ABA2-0BC069CD8E7F}" type="datetimeFigureOut">
               <a:rPr lang="en-US" smtClean="0"/>
-              <a:t>1/8/25</a:t>
+              <a:t>1/11/25</a:t>
             </a:fld>
             <a:endParaRPr lang="en-US"/>
           </a:p>
@@ -1491,32 +1436,37 @@
             <p:ph type="title"/>
           </p:nvPr>
         </p:nvSpPr>
-        <p:spPr/>
-        <p:txBody>
-          <a:bodyPr/>
-          <a:lstStyle/>
-          <a:p>
-            <a:r>
-              <a:rPr lang="en-US"/>
-              <a:t>Click to edit Master title style</a:t>
-            </a:r>
-          </a:p>
-        </p:txBody>
-      </p:sp>
-      <p:sp>
-        <p:nvSpPr>
-          <p:cNvPr id="3" name="Content Placeholder 2"/>
-          <p:cNvSpPr>
-            <a:spLocks noGrp="1"/>
-          </p:cNvSpPr>
-          <p:nvPr>
-            <p:ph sz="half" idx="1"/>
-          </p:nvPr>
-        </p:nvSpPr>
         <p:spPr>
           <a:xfrm>
-            <a:off x="457200" y="1200151"/>
-            <a:ext cx="4038600" cy="3394472"/>
+            <a:off x="315045" y="205979"/>
+            <a:ext cx="8529278" cy="857250"/>
+          </a:xfrm>
+        </p:spPr>
+        <p:txBody>
+          <a:bodyPr/>
+          <a:lstStyle/>
+          <a:p>
+            <a:r>
+              <a:rPr lang="en-US"/>
+              <a:t>Click to edit Master title style</a:t>
+            </a:r>
+          </a:p>
+        </p:txBody>
+      </p:sp>
+      <p:sp>
+        <p:nvSpPr>
+          <p:cNvPr id="3" name="Content Placeholder 2"/>
+          <p:cNvSpPr>
+            <a:spLocks noGrp="1"/>
+          </p:cNvSpPr>
+          <p:nvPr>
+            <p:ph sz="half" idx="1"/>
+          </p:nvPr>
+        </p:nvSpPr>
+        <p:spPr>
+          <a:xfrm>
+            <a:off x="315045" y="1200151"/>
+            <a:ext cx="4180755" cy="3737370"/>
           </a:xfrm>
         </p:spPr>
         <p:txBody>
@@ -1600,8 +1550,8 @@
         </p:nvSpPr>
         <p:spPr>
           <a:xfrm>
-            <a:off x="4648200" y="1200151"/>
-            <a:ext cx="4038600" cy="3394472"/>
+            <a:off x="4648199" y="1200151"/>
+            <a:ext cx="4196123" cy="3737370"/>
           </a:xfrm>
         </p:spPr>
         <p:txBody>
@@ -1673,71 +1623,6 @@
           </a:p>
         </p:txBody>
       </p:sp>
-      <p:sp>
-        <p:nvSpPr>
-          <p:cNvPr id="5" name="Date Placeholder 4"/>
-          <p:cNvSpPr>
-            <a:spLocks noGrp="1"/>
-          </p:cNvSpPr>
-          <p:nvPr>
-            <p:ph type="dt" sz="half" idx="10"/>
-          </p:nvPr>
-        </p:nvSpPr>
-        <p:spPr/>
-        <p:txBody>
-          <a:bodyPr/>
-          <a:lstStyle/>
-          <a:p>
-            <a:fld id="{241EB5C9-1307-BA42-ABA2-0BC069CD8E7F}" type="datetimeFigureOut">
-              <a:rPr lang="en-US" smtClean="0"/>
-              <a:t>1/8/25</a:t>
-            </a:fld>
-            <a:endParaRPr lang="en-US"/>
-          </a:p>
-        </p:txBody>
-      </p:sp>
-      <p:sp>
-        <p:nvSpPr>
-          <p:cNvPr id="6" name="Footer Placeholder 5"/>
-          <p:cNvSpPr>
-            <a:spLocks noGrp="1"/>
-          </p:cNvSpPr>
-          <p:nvPr>
-            <p:ph type="ftr" sz="quarter" idx="11"/>
-          </p:nvPr>
-        </p:nvSpPr>
-        <p:spPr/>
-        <p:txBody>
-          <a:bodyPr/>
-          <a:lstStyle/>
-          <a:p>
-            <a:endParaRPr lang="en-US"/>
-          </a:p>
-        </p:txBody>
-      </p:sp>
-      <p:sp>
-        <p:nvSpPr>
-          <p:cNvPr id="7" name="Slide Number Placeholder 6"/>
-          <p:cNvSpPr>
-            <a:spLocks noGrp="1"/>
-          </p:cNvSpPr>
-          <p:nvPr>
-            <p:ph type="sldNum" sz="quarter" idx="12"/>
-          </p:nvPr>
-        </p:nvSpPr>
-        <p:spPr/>
-        <p:txBody>
-          <a:bodyPr/>
-          <a:lstStyle/>
-          <a:p>
-            <a:fld id="{C5EF2332-01BF-834F-8236-50238282D533}" type="slidenum">
-              <a:rPr lang="en-US" smtClean="0"/>
-              <a:t>‹#›</a:t>
-            </a:fld>
-            <a:endParaRPr lang="en-US"/>
-          </a:p>
-        </p:txBody>
-      </p:sp>
     </p:spTree>
     <p:extLst>
       <p:ext uri="{BB962C8B-B14F-4D97-AF65-F5344CB8AC3E}">
@@ -2109,7 +1994,7 @@
           <a:p>
             <a:fld id="{241EB5C9-1307-BA42-ABA2-0BC069CD8E7F}" type="datetimeFigureOut">
               <a:rPr lang="en-US" smtClean="0"/>
-              <a:t>1/8/25</a:t>
+              <a:t>1/11/25</a:t>
             </a:fld>
             <a:endParaRPr lang="en-US"/>
           </a:p>
@@ -2226,7 +2111,7 @@
           <a:p>
             <a:fld id="{241EB5C9-1307-BA42-ABA2-0BC069CD8E7F}" type="datetimeFigureOut">
               <a:rPr lang="en-US" smtClean="0"/>
-              <a:t>1/8/25</a:t>
+              <a:t>1/11/25</a:t>
             </a:fld>
             <a:endParaRPr lang="en-US"/>
           </a:p>
@@ -2321,7 +2206,7 @@
           <a:p>
             <a:fld id="{241EB5C9-1307-BA42-ABA2-0BC069CD8E7F}" type="datetimeFigureOut">
               <a:rPr lang="en-US" smtClean="0"/>
-              <a:t>1/8/25</a:t>
+              <a:t>1/11/25</a:t>
             </a:fld>
             <a:endParaRPr lang="en-US"/>
           </a:p>
@@ -2596,7 +2481,7 @@
           <a:p>
             <a:fld id="{241EB5C9-1307-BA42-ABA2-0BC069CD8E7F}" type="datetimeFigureOut">
               <a:rPr lang="en-US" smtClean="0"/>
-              <a:t>1/8/25</a:t>
+              <a:t>1/11/25</a:t>
             </a:fld>
             <a:endParaRPr lang="en-US"/>
           </a:p>
@@ -2848,7 +2733,7 @@
           <a:p>
             <a:fld id="{241EB5C9-1307-BA42-ABA2-0BC069CD8E7F}" type="datetimeFigureOut">
               <a:rPr lang="en-US" smtClean="0"/>
-              <a:t>1/8/25</a:t>
+              <a:t>1/11/25</a:t>
             </a:fld>
             <a:endParaRPr lang="en-US"/>
           </a:p>
@@ -3059,7 +2944,7 @@
           <a:p>
             <a:fld id="{241EB5C9-1307-BA42-ABA2-0BC069CD8E7F}" type="datetimeFigureOut">
               <a:rPr lang="en-US" smtClean="0"/>
-              <a:t>1/8/25</a:t>
+              <a:t>1/11/25</a:t>
             </a:fld>
             <a:endParaRPr lang="en-US"/>
           </a:p>
@@ -3541,7 +3426,12 @@
             <p:ph type="title"/>
           </p:nvPr>
         </p:nvSpPr>
-        <p:spPr/>
+        <p:spPr>
+          <a:xfrm>
+            <a:off x="284309" y="205979"/>
+            <a:ext cx="8552330" cy="857250"/>
+          </a:xfrm>
+        </p:spPr>
         <p:txBody>
           <a:bodyPr/>
           <a:lstStyle/>
@@ -3643,7 +3533,12 @@
             <p:ph type="title"/>
           </p:nvPr>
         </p:nvSpPr>
-        <p:spPr/>
+        <p:spPr>
+          <a:xfrm>
+            <a:off x="315045" y="205979"/>
+            <a:ext cx="8529278" cy="857250"/>
+          </a:xfrm>
+        </p:spPr>
         <p:txBody>
           <a:bodyPr/>
           <a:lstStyle/>
@@ -3725,8 +3620,8 @@
         </p:blipFill>
         <p:spPr bwMode="auto">
           <a:xfrm>
-            <a:off x="5397500" y="1193800"/>
-            <a:ext cx="2540000" cy="3390900"/>
+            <a:off x="5334000" y="1193800"/>
+            <a:ext cx="2794000" cy="3733800"/>
           </a:xfrm>
           <a:prstGeom prst="rect">
             <a:avLst/>
@@ -3771,7 +3666,12 @@
             <p:ph type="title"/>
           </p:nvPr>
         </p:nvSpPr>
-        <p:spPr/>
+        <p:spPr>
+          <a:xfrm>
+            <a:off x="315045" y="205979"/>
+            <a:ext cx="8529278" cy="857250"/>
+          </a:xfrm>
+        </p:spPr>
         <p:txBody>
           <a:bodyPr/>
           <a:lstStyle/>
@@ -3846,8 +3746,8 @@
         </p:blipFill>
         <p:spPr bwMode="auto">
           <a:xfrm>
-            <a:off x="4648200" y="1397000"/>
-            <a:ext cx="4038600" cy="2984500"/>
+            <a:off x="4635500" y="1511300"/>
+            <a:ext cx="4191000" cy="3098800"/>
           </a:xfrm>
           <a:prstGeom prst="rect">
             <a:avLst/>
@@ -3892,7 +3792,12 @@
             <p:ph type="title"/>
           </p:nvPr>
         </p:nvSpPr>
-        <p:spPr/>
+        <p:spPr>
+          <a:xfrm>
+            <a:off x="315045" y="205979"/>
+            <a:ext cx="8529278" cy="857250"/>
+          </a:xfrm>
+        </p:spPr>
         <p:txBody>
           <a:bodyPr/>
           <a:lstStyle/>
@@ -3974,8 +3879,8 @@
         </p:blipFill>
         <p:spPr bwMode="auto">
           <a:xfrm>
-            <a:off x="5016500" y="1193800"/>
-            <a:ext cx="3302000" cy="3390900"/>
+            <a:off x="4914900" y="1193800"/>
+            <a:ext cx="3632200" cy="3733800"/>
           </a:xfrm>
           <a:prstGeom prst="rect">
             <a:avLst/>
@@ -4020,7 +3925,12 @@
             <p:ph type="title"/>
           </p:nvPr>
         </p:nvSpPr>
-        <p:spPr/>
+        <p:spPr>
+          <a:xfrm>
+            <a:off x="315045" y="205979"/>
+            <a:ext cx="8529278" cy="857250"/>
+          </a:xfrm>
+        </p:spPr>
         <p:txBody>
           <a:bodyPr/>
           <a:lstStyle/>
@@ -4102,8 +4012,8 @@
         </p:blipFill>
         <p:spPr bwMode="auto">
           <a:xfrm>
-            <a:off x="4978400" y="1193800"/>
-            <a:ext cx="3390900" cy="3390900"/>
+            <a:off x="4864100" y="1193800"/>
+            <a:ext cx="3733800" cy="3733800"/>
           </a:xfrm>
           <a:prstGeom prst="rect">
             <a:avLst/>
@@ -4148,7 +4058,12 @@
             <p:ph type="title"/>
           </p:nvPr>
         </p:nvSpPr>
-        <p:spPr/>
+        <p:spPr>
+          <a:xfrm>
+            <a:off x="315045" y="205979"/>
+            <a:ext cx="8529278" cy="857250"/>
+          </a:xfrm>
+        </p:spPr>
         <p:txBody>
           <a:bodyPr/>
           <a:lstStyle/>
@@ -4204,8 +4119,8 @@
         </p:blipFill>
         <p:spPr bwMode="auto">
           <a:xfrm>
-            <a:off x="4978400" y="1193800"/>
-            <a:ext cx="3390900" cy="3390900"/>
+            <a:off x="4864100" y="1193800"/>
+            <a:ext cx="3733800" cy="3733800"/>
           </a:xfrm>
           <a:prstGeom prst="rect">
             <a:avLst/>

--- a/lci_cvport.pptx
+++ b/lci_cvport.pptx
@@ -164,10 +164,16 @@
         </p:spPr>
         <p:txBody>
           <a:bodyPr/>
-          <a:lstStyle/>
-          <a:p>
-            <a:r>
-              <a:rPr lang="en-US"/>
+          <a:lstStyle>
+            <a:lvl1pPr>
+              <a:defRPr baseline="0">
+                <a:latin typeface="Lato Semibold" panose="020F0502020204030203" pitchFamily="34" charset="0"/>
+              </a:defRPr>
+            </a:lvl1pPr>
+          </a:lstStyle>
+          <a:p>
+            <a:r>
+              <a:rPr lang="en-US" dirty="0"/>
               <a:t>Click to edit Master title style</a:t>
             </a:r>
           </a:p>
@@ -301,7 +307,15 @@
             <p:ph type="dt" sz="half" idx="10"/>
           </p:nvPr>
         </p:nvSpPr>
-        <p:spPr/>
+        <p:spPr>
+          <a:xfrm>
+            <a:off x="457200" y="4767263"/>
+            <a:ext cx="2133600" cy="273844"/>
+          </a:xfrm>
+          <a:prstGeom prst="rect">
+            <a:avLst/>
+          </a:prstGeom>
+        </p:spPr>
         <p:txBody>
           <a:bodyPr/>
           <a:lstStyle/>
@@ -324,7 +338,15 @@
             <p:ph type="ftr" sz="quarter" idx="11"/>
           </p:nvPr>
         </p:nvSpPr>
-        <p:spPr/>
+        <p:spPr>
+          <a:xfrm>
+            <a:off x="3124200" y="4767263"/>
+            <a:ext cx="2895600" cy="273844"/>
+          </a:xfrm>
+          <a:prstGeom prst="rect">
+            <a:avLst/>
+          </a:prstGeom>
+        </p:spPr>
         <p:txBody>
           <a:bodyPr/>
           <a:lstStyle/>
@@ -343,7 +365,15 @@
             <p:ph type="sldNum" sz="quarter" idx="12"/>
           </p:nvPr>
         </p:nvSpPr>
-        <p:spPr/>
+        <p:spPr>
+          <a:xfrm>
+            <a:off x="6553200" y="4767263"/>
+            <a:ext cx="2133600" cy="273844"/>
+          </a:xfrm>
+          <a:prstGeom prst="rect">
+            <a:avLst/>
+          </a:prstGeom>
+        </p:spPr>
         <p:txBody>
           <a:bodyPr/>
           <a:lstStyle/>
@@ -469,7 +499,15 @@
             <p:ph type="dt" sz="half" idx="10"/>
           </p:nvPr>
         </p:nvSpPr>
-        <p:spPr/>
+        <p:spPr>
+          <a:xfrm>
+            <a:off x="457200" y="4767263"/>
+            <a:ext cx="2133600" cy="273844"/>
+          </a:xfrm>
+          <a:prstGeom prst="rect">
+            <a:avLst/>
+          </a:prstGeom>
+        </p:spPr>
         <p:txBody>
           <a:bodyPr/>
           <a:lstStyle/>
@@ -492,7 +530,15 @@
             <p:ph type="ftr" sz="quarter" idx="11"/>
           </p:nvPr>
         </p:nvSpPr>
-        <p:spPr/>
+        <p:spPr>
+          <a:xfrm>
+            <a:off x="3124200" y="4767263"/>
+            <a:ext cx="2895600" cy="273844"/>
+          </a:xfrm>
+          <a:prstGeom prst="rect">
+            <a:avLst/>
+          </a:prstGeom>
+        </p:spPr>
         <p:txBody>
           <a:bodyPr/>
           <a:lstStyle/>
@@ -511,7 +557,15 @@
             <p:ph type="sldNum" sz="quarter" idx="12"/>
           </p:nvPr>
         </p:nvSpPr>
-        <p:spPr/>
+        <p:spPr>
+          <a:xfrm>
+            <a:off x="6553200" y="4767263"/>
+            <a:ext cx="2133600" cy="273844"/>
+          </a:xfrm>
+          <a:prstGeom prst="rect">
+            <a:avLst/>
+          </a:prstGeom>
+        </p:spPr>
         <p:txBody>
           <a:bodyPr/>
           <a:lstStyle/>
@@ -647,7 +701,15 @@
             <p:ph type="dt" sz="half" idx="10"/>
           </p:nvPr>
         </p:nvSpPr>
-        <p:spPr/>
+        <p:spPr>
+          <a:xfrm>
+            <a:off x="457200" y="4767263"/>
+            <a:ext cx="2133600" cy="273844"/>
+          </a:xfrm>
+          <a:prstGeom prst="rect">
+            <a:avLst/>
+          </a:prstGeom>
+        </p:spPr>
         <p:txBody>
           <a:bodyPr/>
           <a:lstStyle/>
@@ -670,7 +732,15 @@
             <p:ph type="ftr" sz="quarter" idx="11"/>
           </p:nvPr>
         </p:nvSpPr>
-        <p:spPr/>
+        <p:spPr>
+          <a:xfrm>
+            <a:off x="3124200" y="4767263"/>
+            <a:ext cx="2895600" cy="273844"/>
+          </a:xfrm>
+          <a:prstGeom prst="rect">
+            <a:avLst/>
+          </a:prstGeom>
+        </p:spPr>
         <p:txBody>
           <a:bodyPr/>
           <a:lstStyle/>
@@ -689,7 +759,15 @@
             <p:ph type="sldNum" sz="quarter" idx="12"/>
           </p:nvPr>
         </p:nvSpPr>
-        <p:spPr/>
+        <p:spPr>
+          <a:xfrm>
+            <a:off x="6553200" y="4767263"/>
+            <a:ext cx="2133600" cy="273844"/>
+          </a:xfrm>
+          <a:prstGeom prst="rect">
+            <a:avLst/>
+          </a:prstGeom>
+        </p:spPr>
         <p:txBody>
           <a:bodyPr/>
           <a:lstStyle/>
@@ -825,7 +903,15 @@
             <p:ph type="dt" sz="half" idx="10"/>
           </p:nvPr>
         </p:nvSpPr>
-        <p:spPr/>
+        <p:spPr>
+          <a:xfrm>
+            <a:off x="457200" y="4767263"/>
+            <a:ext cx="2133600" cy="273844"/>
+          </a:xfrm>
+          <a:prstGeom prst="rect">
+            <a:avLst/>
+          </a:prstGeom>
+        </p:spPr>
         <p:txBody>
           <a:bodyPr/>
           <a:lstStyle/>
@@ -848,7 +934,15 @@
             <p:ph type="ftr" sz="quarter" idx="11"/>
           </p:nvPr>
         </p:nvSpPr>
-        <p:spPr/>
+        <p:spPr>
+          <a:xfrm>
+            <a:off x="3124200" y="4767263"/>
+            <a:ext cx="2895600" cy="273844"/>
+          </a:xfrm>
+          <a:prstGeom prst="rect">
+            <a:avLst/>
+          </a:prstGeom>
+        </p:spPr>
         <p:txBody>
           <a:bodyPr/>
           <a:lstStyle/>
@@ -867,7 +961,15 @@
             <p:ph type="sldNum" sz="quarter" idx="12"/>
           </p:nvPr>
         </p:nvSpPr>
-        <p:spPr/>
+        <p:spPr>
+          <a:xfrm>
+            <a:off x="6553200" y="4767263"/>
+            <a:ext cx="2133600" cy="273844"/>
+          </a:xfrm>
+          <a:prstGeom prst="rect">
+            <a:avLst/>
+          </a:prstGeom>
+        </p:spPr>
         <p:txBody>
           <a:bodyPr/>
           <a:lstStyle/>
@@ -1054,15 +1156,15 @@
         <p:spPr>
           <a:xfrm>
             <a:off x="284309" y="205979"/>
-            <a:ext cx="8552330" cy="857250"/>
-          </a:xfrm>
-        </p:spPr>
-        <p:txBody>
-          <a:bodyPr/>
-          <a:lstStyle/>
-          <a:p>
-            <a:r>
-              <a:rPr lang="en-US"/>
+            <a:ext cx="8552330" cy="662317"/>
+          </a:xfrm>
+        </p:spPr>
+        <p:txBody>
+          <a:bodyPr/>
+          <a:lstStyle/>
+          <a:p>
+            <a:r>
+              <a:rPr lang="en-US" dirty="0"/>
               <a:t>Click to edit Master title style</a:t>
             </a:r>
           </a:p>
@@ -1080,8 +1182,8 @@
         </p:nvSpPr>
         <p:spPr>
           <a:xfrm>
-            <a:off x="284309" y="1200151"/>
-            <a:ext cx="8552330" cy="3737370"/>
+            <a:off x="284309" y="960504"/>
+            <a:ext cx="8552330" cy="3977017"/>
           </a:xfrm>
         </p:spPr>
         <p:txBody>
@@ -1341,7 +1443,15 @@
             <p:ph type="dt" sz="half" idx="10"/>
           </p:nvPr>
         </p:nvSpPr>
-        <p:spPr/>
+        <p:spPr>
+          <a:xfrm>
+            <a:off x="457200" y="4767263"/>
+            <a:ext cx="2133600" cy="273844"/>
+          </a:xfrm>
+          <a:prstGeom prst="rect">
+            <a:avLst/>
+          </a:prstGeom>
+        </p:spPr>
         <p:txBody>
           <a:bodyPr/>
           <a:lstStyle/>
@@ -1364,7 +1474,15 @@
             <p:ph type="ftr" sz="quarter" idx="11"/>
           </p:nvPr>
         </p:nvSpPr>
-        <p:spPr/>
+        <p:spPr>
+          <a:xfrm>
+            <a:off x="3124200" y="4767263"/>
+            <a:ext cx="2895600" cy="273844"/>
+          </a:xfrm>
+          <a:prstGeom prst="rect">
+            <a:avLst/>
+          </a:prstGeom>
+        </p:spPr>
         <p:txBody>
           <a:bodyPr/>
           <a:lstStyle/>
@@ -1383,7 +1501,15 @@
             <p:ph type="sldNum" sz="quarter" idx="12"/>
           </p:nvPr>
         </p:nvSpPr>
-        <p:spPr/>
+        <p:spPr>
+          <a:xfrm>
+            <a:off x="6553200" y="4767263"/>
+            <a:ext cx="2133600" cy="273844"/>
+          </a:xfrm>
+          <a:prstGeom prst="rect">
+            <a:avLst/>
+          </a:prstGeom>
+        </p:spPr>
         <p:txBody>
           <a:bodyPr/>
           <a:lstStyle/>
@@ -1447,7 +1573,7 @@
           <a:lstStyle/>
           <a:p>
             <a:r>
-              <a:rPr lang="en-US"/>
+              <a:rPr lang="en-US" dirty="0"/>
               <a:t>Click to edit Master title style</a:t>
             </a:r>
           </a:p>
@@ -1474,7 +1600,9 @@
           <a:lstStyle>
             <a:lvl1pPr marL="174625" indent="-174625">
               <a:tabLst/>
-              <a:defRPr sz="2800"/>
+              <a:defRPr sz="2800" baseline="0">
+                <a:latin typeface="Lato Medium" panose="020F0502020204030203" pitchFamily="34" charset="0"/>
+              </a:defRPr>
             </a:lvl1pPr>
             <a:lvl2pPr>
               <a:defRPr sz="1800"/>
@@ -1559,7 +1687,9 @@
           <a:lstStyle>
             <a:lvl1pPr marL="174625" indent="-174625">
               <a:tabLst/>
-              <a:defRPr sz="2800"/>
+              <a:defRPr sz="2800" baseline="0">
+                <a:latin typeface="Lato Medium" panose="020F0502020204030203" pitchFamily="34" charset="0"/>
+              </a:defRPr>
             </a:lvl1pPr>
             <a:lvl2pPr>
               <a:defRPr sz="1800"/>
@@ -1987,7 +2117,15 @@
             <p:ph type="dt" sz="half" idx="10"/>
           </p:nvPr>
         </p:nvSpPr>
-        <p:spPr/>
+        <p:spPr>
+          <a:xfrm>
+            <a:off x="457200" y="4767263"/>
+            <a:ext cx="2133600" cy="273844"/>
+          </a:xfrm>
+          <a:prstGeom prst="rect">
+            <a:avLst/>
+          </a:prstGeom>
+        </p:spPr>
         <p:txBody>
           <a:bodyPr/>
           <a:lstStyle/>
@@ -2010,7 +2148,15 @@
             <p:ph type="ftr" sz="quarter" idx="11"/>
           </p:nvPr>
         </p:nvSpPr>
-        <p:spPr/>
+        <p:spPr>
+          <a:xfrm>
+            <a:off x="3124200" y="4767263"/>
+            <a:ext cx="2895600" cy="273844"/>
+          </a:xfrm>
+          <a:prstGeom prst="rect">
+            <a:avLst/>
+          </a:prstGeom>
+        </p:spPr>
         <p:txBody>
           <a:bodyPr/>
           <a:lstStyle/>
@@ -2029,7 +2175,15 @@
             <p:ph type="sldNum" sz="quarter" idx="12"/>
           </p:nvPr>
         </p:nvSpPr>
-        <p:spPr/>
+        <p:spPr>
+          <a:xfrm>
+            <a:off x="6553200" y="4767263"/>
+            <a:ext cx="2133600" cy="273844"/>
+          </a:xfrm>
+          <a:prstGeom prst="rect">
+            <a:avLst/>
+          </a:prstGeom>
+        </p:spPr>
         <p:txBody>
           <a:bodyPr/>
           <a:lstStyle/>
@@ -2085,10 +2239,16 @@
         <p:spPr/>
         <p:txBody>
           <a:bodyPr/>
-          <a:lstStyle/>
-          <a:p>
-            <a:r>
-              <a:rPr lang="en-US"/>
+          <a:lstStyle>
+            <a:lvl1pPr>
+              <a:defRPr baseline="0">
+                <a:latin typeface="Lato Semibold" panose="020F0502020204030203" pitchFamily="34" charset="0"/>
+              </a:defRPr>
+            </a:lvl1pPr>
+          </a:lstStyle>
+          <a:p>
+            <a:r>
+              <a:rPr lang="en-US" dirty="0"/>
               <a:t>Click to edit Master title style</a:t>
             </a:r>
           </a:p>
@@ -2104,7 +2264,15 @@
             <p:ph type="dt" sz="half" idx="10"/>
           </p:nvPr>
         </p:nvSpPr>
-        <p:spPr/>
+        <p:spPr>
+          <a:xfrm>
+            <a:off x="457200" y="4767263"/>
+            <a:ext cx="2133600" cy="273844"/>
+          </a:xfrm>
+          <a:prstGeom prst="rect">
+            <a:avLst/>
+          </a:prstGeom>
+        </p:spPr>
         <p:txBody>
           <a:bodyPr/>
           <a:lstStyle/>
@@ -2127,7 +2295,15 @@
             <p:ph type="ftr" sz="quarter" idx="11"/>
           </p:nvPr>
         </p:nvSpPr>
-        <p:spPr/>
+        <p:spPr>
+          <a:xfrm>
+            <a:off x="3124200" y="4767263"/>
+            <a:ext cx="2895600" cy="273844"/>
+          </a:xfrm>
+          <a:prstGeom prst="rect">
+            <a:avLst/>
+          </a:prstGeom>
+        </p:spPr>
         <p:txBody>
           <a:bodyPr/>
           <a:lstStyle/>
@@ -2146,7 +2322,15 @@
             <p:ph type="sldNum" sz="quarter" idx="12"/>
           </p:nvPr>
         </p:nvSpPr>
-        <p:spPr/>
+        <p:spPr>
+          <a:xfrm>
+            <a:off x="6553200" y="4767263"/>
+            <a:ext cx="2133600" cy="273844"/>
+          </a:xfrm>
+          <a:prstGeom prst="rect">
+            <a:avLst/>
+          </a:prstGeom>
+        </p:spPr>
         <p:txBody>
           <a:bodyPr/>
           <a:lstStyle/>
@@ -2199,7 +2383,15 @@
             <p:ph type="dt" sz="half" idx="10"/>
           </p:nvPr>
         </p:nvSpPr>
-        <p:spPr/>
+        <p:spPr>
+          <a:xfrm>
+            <a:off x="457200" y="4767263"/>
+            <a:ext cx="2133600" cy="273844"/>
+          </a:xfrm>
+          <a:prstGeom prst="rect">
+            <a:avLst/>
+          </a:prstGeom>
+        </p:spPr>
         <p:txBody>
           <a:bodyPr/>
           <a:lstStyle/>
@@ -2222,7 +2414,15 @@
             <p:ph type="ftr" sz="quarter" idx="11"/>
           </p:nvPr>
         </p:nvSpPr>
-        <p:spPr/>
+        <p:spPr>
+          <a:xfrm>
+            <a:off x="3124200" y="4767263"/>
+            <a:ext cx="2895600" cy="273844"/>
+          </a:xfrm>
+          <a:prstGeom prst="rect">
+            <a:avLst/>
+          </a:prstGeom>
+        </p:spPr>
         <p:txBody>
           <a:bodyPr/>
           <a:lstStyle/>
@@ -2241,7 +2441,15 @@
             <p:ph type="sldNum" sz="quarter" idx="12"/>
           </p:nvPr>
         </p:nvSpPr>
-        <p:spPr/>
+        <p:spPr>
+          <a:xfrm>
+            <a:off x="6553200" y="4767263"/>
+            <a:ext cx="2133600" cy="273844"/>
+          </a:xfrm>
+          <a:prstGeom prst="rect">
+            <a:avLst/>
+          </a:prstGeom>
+        </p:spPr>
         <p:txBody>
           <a:bodyPr/>
           <a:lstStyle/>
@@ -2474,7 +2682,15 @@
             <p:ph type="dt" sz="half" idx="10"/>
           </p:nvPr>
         </p:nvSpPr>
-        <p:spPr/>
+        <p:spPr>
+          <a:xfrm>
+            <a:off x="457200" y="4767263"/>
+            <a:ext cx="2133600" cy="273844"/>
+          </a:xfrm>
+          <a:prstGeom prst="rect">
+            <a:avLst/>
+          </a:prstGeom>
+        </p:spPr>
         <p:txBody>
           <a:bodyPr/>
           <a:lstStyle/>
@@ -2497,7 +2713,15 @@
             <p:ph type="ftr" sz="quarter" idx="11"/>
           </p:nvPr>
         </p:nvSpPr>
-        <p:spPr/>
+        <p:spPr>
+          <a:xfrm>
+            <a:off x="3124200" y="4767263"/>
+            <a:ext cx="2895600" cy="273844"/>
+          </a:xfrm>
+          <a:prstGeom prst="rect">
+            <a:avLst/>
+          </a:prstGeom>
+        </p:spPr>
         <p:txBody>
           <a:bodyPr/>
           <a:lstStyle/>
@@ -2516,7 +2740,15 @@
             <p:ph type="sldNum" sz="quarter" idx="12"/>
           </p:nvPr>
         </p:nvSpPr>
-        <p:spPr/>
+        <p:spPr>
+          <a:xfrm>
+            <a:off x="6553200" y="4767263"/>
+            <a:ext cx="2133600" cy="273844"/>
+          </a:xfrm>
+          <a:prstGeom prst="rect">
+            <a:avLst/>
+          </a:prstGeom>
+        </p:spPr>
         <p:txBody>
           <a:bodyPr/>
           <a:lstStyle/>
@@ -2726,7 +2958,15 @@
             <p:ph type="dt" sz="half" idx="10"/>
           </p:nvPr>
         </p:nvSpPr>
-        <p:spPr/>
+        <p:spPr>
+          <a:xfrm>
+            <a:off x="457200" y="4767263"/>
+            <a:ext cx="2133600" cy="273844"/>
+          </a:xfrm>
+          <a:prstGeom prst="rect">
+            <a:avLst/>
+          </a:prstGeom>
+        </p:spPr>
         <p:txBody>
           <a:bodyPr/>
           <a:lstStyle/>
@@ -2749,7 +2989,15 @@
             <p:ph type="ftr" sz="quarter" idx="11"/>
           </p:nvPr>
         </p:nvSpPr>
-        <p:spPr/>
+        <p:spPr>
+          <a:xfrm>
+            <a:off x="3124200" y="4767263"/>
+            <a:ext cx="2895600" cy="273844"/>
+          </a:xfrm>
+          <a:prstGeom prst="rect">
+            <a:avLst/>
+          </a:prstGeom>
+        </p:spPr>
         <p:txBody>
           <a:bodyPr/>
           <a:lstStyle/>
@@ -2768,7 +3016,15 @@
             <p:ph type="sldNum" sz="quarter" idx="12"/>
           </p:nvPr>
         </p:nvSpPr>
-        <p:spPr/>
+        <p:spPr>
+          <a:xfrm>
+            <a:off x="6553200" y="4767263"/>
+            <a:ext cx="2133600" cy="273844"/>
+          </a:xfrm>
+          <a:prstGeom prst="rect">
+            <a:avLst/>
+          </a:prstGeom>
+        </p:spPr>
         <p:txBody>
           <a:bodyPr/>
           <a:lstStyle/>
@@ -2829,7 +3085,7 @@
         <p:spPr>
           <a:xfrm>
             <a:off x="457200" y="205979"/>
-            <a:ext cx="8229600" cy="857250"/>
+            <a:ext cx="8229600" cy="716105"/>
           </a:xfrm>
           <a:prstGeom prst="rect">
             <a:avLst/>
@@ -2842,7 +3098,7 @@
           <a:lstStyle/>
           <a:p>
             <a:r>
-              <a:rPr lang="en-US"/>
+              <a:rPr dirty="0" lang="en-US"/>
               <a:t>Click to edit Master title style</a:t>
             </a:r>
           </a:p>
@@ -2860,8 +3116,8 @@
         </p:nvSpPr>
         <p:spPr>
           <a:xfrm>
-            <a:off x="457200" y="1200151"/>
-            <a:ext cx="8229600" cy="3394472"/>
+            <a:off x="457200" y="998924"/>
+            <a:ext cx="8229600" cy="3938597"/>
           </a:xfrm>
           <a:prstGeom prst="rect">
             <a:avLst/>
@@ -2875,156 +3131,37 @@
           <a:p>
             <a:pPr lvl="0"/>
             <a:r>
-              <a:rPr lang="en-US"/>
+              <a:rPr dirty="0" lang="en-US"/>
               <a:t>Click to edit Master text styles</a:t>
             </a:r>
           </a:p>
           <a:p>
             <a:pPr lvl="1"/>
             <a:r>
-              <a:rPr lang="en-US"/>
+              <a:rPr dirty="0" lang="en-US"/>
               <a:t>Second level</a:t>
             </a:r>
           </a:p>
           <a:p>
             <a:pPr lvl="2"/>
             <a:r>
-              <a:rPr lang="en-US"/>
+              <a:rPr dirty="0" lang="en-US"/>
               <a:t>Third level</a:t>
             </a:r>
           </a:p>
           <a:p>
             <a:pPr lvl="3"/>
             <a:r>
-              <a:rPr lang="en-US"/>
+              <a:rPr dirty="0" lang="en-US"/>
               <a:t>Fourth level</a:t>
             </a:r>
           </a:p>
           <a:p>
             <a:pPr lvl="4"/>
             <a:r>
-              <a:rPr lang="en-US"/>
+              <a:rPr dirty="0" lang="en-US"/>
               <a:t>Fifth level</a:t>
             </a:r>
-          </a:p>
-        </p:txBody>
-      </p:sp>
-      <p:sp>
-        <p:nvSpPr>
-          <p:cNvPr id="4" name="Date Placeholder 3"/>
-          <p:cNvSpPr>
-            <a:spLocks noGrp="1"/>
-          </p:cNvSpPr>
-          <p:nvPr>
-            <p:ph idx="2" sz="half" type="dt"/>
-          </p:nvPr>
-        </p:nvSpPr>
-        <p:spPr>
-          <a:xfrm>
-            <a:off x="457200" y="4767263"/>
-            <a:ext cx="2133600" cy="273844"/>
-          </a:xfrm>
-          <a:prstGeom prst="rect">
-            <a:avLst/>
-          </a:prstGeom>
-        </p:spPr>
-        <p:txBody>
-          <a:bodyPr anchor="ctr" bIns="45720" lIns="91440" rIns="91440" rtlCol="0" tIns="45720" vert="horz"/>
-          <a:lstStyle>
-            <a:lvl1pPr algn="l">
-              <a:defRPr sz="900">
-                <a:solidFill>
-                  <a:schemeClr val="tx1">
-                    <a:tint val="75000"/>
-                  </a:schemeClr>
-                </a:solidFill>
-              </a:defRPr>
-            </a:lvl1pPr>
-          </a:lstStyle>
-          <a:p>
-            <a:fld id="{241EB5C9-1307-BA42-ABA2-0BC069CD8E7F}" type="datetimeFigureOut">
-              <a:rPr lang="en-US" smtClean="0"/>
-              <a:t>1/11/25</a:t>
-            </a:fld>
-            <a:endParaRPr lang="en-US"/>
-          </a:p>
-        </p:txBody>
-      </p:sp>
-      <p:sp>
-        <p:nvSpPr>
-          <p:cNvPr id="5" name="Footer Placeholder 4"/>
-          <p:cNvSpPr>
-            <a:spLocks noGrp="1"/>
-          </p:cNvSpPr>
-          <p:nvPr>
-            <p:ph idx="3" sz="quarter" type="ftr"/>
-          </p:nvPr>
-        </p:nvSpPr>
-        <p:spPr>
-          <a:xfrm>
-            <a:off x="3124200" y="4767263"/>
-            <a:ext cx="2895600" cy="273844"/>
-          </a:xfrm>
-          <a:prstGeom prst="rect">
-            <a:avLst/>
-          </a:prstGeom>
-        </p:spPr>
-        <p:txBody>
-          <a:bodyPr anchor="ctr" bIns="45720" lIns="91440" rIns="91440" rtlCol="0" tIns="45720" vert="horz"/>
-          <a:lstStyle>
-            <a:lvl1pPr algn="ctr">
-              <a:defRPr sz="900">
-                <a:solidFill>
-                  <a:schemeClr val="tx1">
-                    <a:tint val="75000"/>
-                  </a:schemeClr>
-                </a:solidFill>
-              </a:defRPr>
-            </a:lvl1pPr>
-          </a:lstStyle>
-          <a:p>
-            <a:endParaRPr lang="en-US"/>
-          </a:p>
-        </p:txBody>
-      </p:sp>
-      <p:sp>
-        <p:nvSpPr>
-          <p:cNvPr id="6" name="Slide Number Placeholder 5"/>
-          <p:cNvSpPr>
-            <a:spLocks noGrp="1"/>
-          </p:cNvSpPr>
-          <p:nvPr>
-            <p:ph idx="4" sz="quarter" type="sldNum"/>
-          </p:nvPr>
-        </p:nvSpPr>
-        <p:spPr>
-          <a:xfrm>
-            <a:off x="6553200" y="4767263"/>
-            <a:ext cx="2133600" cy="273844"/>
-          </a:xfrm>
-          <a:prstGeom prst="rect">
-            <a:avLst/>
-          </a:prstGeom>
-        </p:spPr>
-        <p:txBody>
-          <a:bodyPr anchor="ctr" bIns="45720" lIns="91440" rIns="91440" rtlCol="0" tIns="45720" vert="horz"/>
-          <a:lstStyle>
-            <a:lvl1pPr algn="r">
-              <a:defRPr sz="900">
-                <a:solidFill>
-                  <a:schemeClr val="tx1">
-                    <a:tint val="75000"/>
-                  </a:schemeClr>
-                </a:solidFill>
-              </a:defRPr>
-            </a:lvl1pPr>
-          </a:lstStyle>
-          <a:p>
-            <a:fld id="{C5EF2332-01BF-834F-8236-50238282D533}" type="slidenum">
-              <a:rPr lang="en-US" smtClean="0"/>
-              <a:t>‹#›</a:t>
-            </a:fld>
-            <a:endParaRPr lang="en-US"/>
           </a:p>
         </p:txBody>
       </p:sp>
@@ -3057,11 +3194,11 @@
           <a:spcPct val="0"/>
         </a:spcBef>
         <a:buNone/>
-        <a:defRPr kern="1200" sz="3300">
+        <a:defRPr baseline="0" kern="1200" sz="3300">
           <a:solidFill>
             <a:schemeClr val="tx1"/>
           </a:solidFill>
-          <a:latin typeface="+mj-lt"/>
+          <a:latin charset="0" panose="020F0502020204030203" pitchFamily="34" typeface="Lato Semibold"/>
           <a:ea typeface="+mj-ea"/>
           <a:cs typeface="+mj-cs"/>
         </a:defRPr>
@@ -3074,11 +3211,11 @@
         </a:spcBef>
         <a:buFont typeface="Arial"/>
         <a:buChar char="•"/>
-        <a:defRPr kern="1200" sz="2400">
+        <a:defRPr baseline="0" kern="1200" sz="2400">
           <a:solidFill>
             <a:schemeClr val="tx1"/>
           </a:solidFill>
-          <a:latin typeface="+mn-lt"/>
+          <a:latin charset="0" panose="020F0502020204030203" pitchFamily="34" typeface="Lato Medium"/>
           <a:ea typeface="+mn-ea"/>
           <a:cs typeface="+mn-cs"/>
         </a:defRPr>
@@ -3089,11 +3226,11 @@
         </a:spcBef>
         <a:buFont typeface="Arial"/>
         <a:buChar char="–"/>
-        <a:defRPr kern="1200" sz="2100">
+        <a:defRPr baseline="0" kern="1200" sz="2100">
           <a:solidFill>
             <a:schemeClr val="tx1"/>
           </a:solidFill>
-          <a:latin typeface="+mn-lt"/>
+          <a:latin charset="0" panose="020F0502020204030203" pitchFamily="34" typeface="Lato Medium"/>
           <a:ea typeface="+mn-ea"/>
           <a:cs typeface="+mn-cs"/>
         </a:defRPr>
@@ -3429,7 +3566,7 @@
         <p:spPr>
           <a:xfrm>
             <a:off x="284309" y="205979"/>
-            <a:ext cx="8552330" cy="857250"/>
+            <a:ext cx="8552330" cy="662317"/>
           </a:xfrm>
         </p:spPr>
         <p:txBody>

--- a/lci_cvport.pptx
+++ b/lci_cvport.pptx
@@ -3708,14 +3708,14 @@
             <a:pPr lvl="0"/>
             <a:r>
               <a:rPr/>
-              <a:t>IV catheter placed into a vein in the hand or arm</a:t>
+              <a:t>IV catheter placed in vein of hand or arm</a:t>
             </a:r>
           </a:p>
           <a:p>
             <a:pPr lvl="0"/>
             <a:r>
               <a:rPr/>
-              <a:t>Allows administration of chemotherapy and fluids</a:t>
+              <a:t>Allows administration of chemo and fluids</a:t>
             </a:r>
           </a:p>
           <a:p>
@@ -3736,7 +3736,7 @@
             <a:pPr lvl="0"/>
             <a:r>
               <a:rPr/>
-              <a:t>Not suitable for FLOT chemotherapy</a:t>
+              <a:t>Not suitable for FLOT chemo</a:t>
             </a:r>
           </a:p>
         </p:txBody>
@@ -3967,7 +3967,7 @@
             <a:pPr lvl="0"/>
             <a:r>
               <a:rPr/>
-              <a:t>Implantable device that makes the administration of chemotherapy easier</a:t>
+              <a:t>Implantable device makes chemo easier</a:t>
             </a:r>
           </a:p>
           <a:p>
@@ -3988,7 +3988,7 @@
             <a:pPr lvl="0"/>
             <a:r>
               <a:rPr/>
-              <a:t>Suitable for FLOT chemo</a:t>
+              <a:t>OK for FLOT chemo</a:t>
             </a:r>
           </a:p>
           <a:p>
@@ -4121,7 +4121,7 @@
             <a:pPr lvl="0"/>
             <a:r>
               <a:rPr/>
-              <a:t>Sutures dissolve on their own</a:t>
+              <a:t>Sutures dissolve</a:t>
             </a:r>
           </a:p>
           <a:p>

--- a/lci_cvport.pptx
+++ b/lci_cvport.pptx
@@ -322,7 +322,7 @@
           <a:p>
             <a:fld id="{241EB5C9-1307-BA42-ABA2-0BC069CD8E7F}" type="datetimeFigureOut">
               <a:rPr lang="en-US" smtClean="0"/>
-              <a:t>1/11/25</a:t>
+              <a:t>2/24/25</a:t>
             </a:fld>
             <a:endParaRPr lang="en-US"/>
           </a:p>
@@ -514,7 +514,7 @@
           <a:p>
             <a:fld id="{241EB5C9-1307-BA42-ABA2-0BC069CD8E7F}" type="datetimeFigureOut">
               <a:rPr lang="en-US" smtClean="0"/>
-              <a:t>1/11/25</a:t>
+              <a:t>2/24/25</a:t>
             </a:fld>
             <a:endParaRPr lang="en-US"/>
           </a:p>
@@ -716,7 +716,7 @@
           <a:p>
             <a:fld id="{241EB5C9-1307-BA42-ABA2-0BC069CD8E7F}" type="datetimeFigureOut">
               <a:rPr lang="en-US" smtClean="0"/>
-              <a:t>1/11/25</a:t>
+              <a:t>2/24/25</a:t>
             </a:fld>
             <a:endParaRPr lang="en-US"/>
           </a:p>
@@ -918,7 +918,7 @@
           <a:p>
             <a:fld id="{241EB5C9-1307-BA42-ABA2-0BC069CD8E7F}" type="datetimeFigureOut">
               <a:rPr lang="en-US" smtClean="0"/>
-              <a:t>1/11/25</a:t>
+              <a:t>2/24/25</a:t>
             </a:fld>
             <a:endParaRPr lang="en-US"/>
           </a:p>
@@ -1458,7 +1458,7 @@
           <a:p>
             <a:fld id="{241EB5C9-1307-BA42-ABA2-0BC069CD8E7F}" type="datetimeFigureOut">
               <a:rPr lang="en-US" smtClean="0"/>
-              <a:t>1/11/25</a:t>
+              <a:t>2/24/25</a:t>
             </a:fld>
             <a:endParaRPr lang="en-US"/>
           </a:p>
@@ -2132,7 +2132,7 @@
           <a:p>
             <a:fld id="{241EB5C9-1307-BA42-ABA2-0BC069CD8E7F}" type="datetimeFigureOut">
               <a:rPr lang="en-US" smtClean="0"/>
-              <a:t>1/11/25</a:t>
+              <a:t>2/24/25</a:t>
             </a:fld>
             <a:endParaRPr lang="en-US"/>
           </a:p>
@@ -2279,7 +2279,7 @@
           <a:p>
             <a:fld id="{241EB5C9-1307-BA42-ABA2-0BC069CD8E7F}" type="datetimeFigureOut">
               <a:rPr lang="en-US" smtClean="0"/>
-              <a:t>1/11/25</a:t>
+              <a:t>2/24/25</a:t>
             </a:fld>
             <a:endParaRPr lang="en-US"/>
           </a:p>
@@ -2398,7 +2398,7 @@
           <a:p>
             <a:fld id="{241EB5C9-1307-BA42-ABA2-0BC069CD8E7F}" type="datetimeFigureOut">
               <a:rPr lang="en-US" smtClean="0"/>
-              <a:t>1/11/25</a:t>
+              <a:t>2/24/25</a:t>
             </a:fld>
             <a:endParaRPr lang="en-US"/>
           </a:p>
@@ -2697,7 +2697,7 @@
           <a:p>
             <a:fld id="{241EB5C9-1307-BA42-ABA2-0BC069CD8E7F}" type="datetimeFigureOut">
               <a:rPr lang="en-US" smtClean="0"/>
-              <a:t>1/11/25</a:t>
+              <a:t>2/24/25</a:t>
             </a:fld>
             <a:endParaRPr lang="en-US"/>
           </a:p>
@@ -2973,7 +2973,7 @@
           <a:p>
             <a:fld id="{241EB5C9-1307-BA42-ABA2-0BC069CD8E7F}" type="datetimeFigureOut">
               <a:rPr lang="en-US" smtClean="0"/>
-              <a:t>1/11/25</a:t>
+              <a:t>2/24/25</a:t>
             </a:fld>
             <a:endParaRPr lang="en-US"/>
           </a:p>
@@ -3226,7 +3226,7 @@
         </a:spcBef>
         <a:buFont typeface="Arial"/>
         <a:buChar char="–"/>
-        <a:defRPr baseline="0" kern="1200" sz="2100">
+        <a:defRPr baseline="0" kern="1200" sz="2400">
           <a:solidFill>
             <a:schemeClr val="tx1"/>
           </a:solidFill>
@@ -3241,7 +3241,7 @@
         </a:spcBef>
         <a:buFont typeface="Arial"/>
         <a:buChar char="•"/>
-        <a:defRPr kern="1200" sz="1800">
+        <a:defRPr kern="1200" sz="2400">
           <a:solidFill>
             <a:schemeClr val="tx1"/>
           </a:solidFill>
@@ -3256,7 +3256,7 @@
         </a:spcBef>
         <a:buFont typeface="Arial"/>
         <a:buChar char="–"/>
-        <a:defRPr kern="1200" sz="1500">
+        <a:defRPr kern="1200" sz="2400">
           <a:solidFill>
             <a:schemeClr val="tx1"/>
           </a:solidFill>

--- a/lci_cvport.pptx
+++ b/lci_cvport.pptx
@@ -4100,7 +4100,7 @@
             <a:pPr lvl="0"/>
             <a:r>
               <a:rPr/>
-              <a:t>Implanted under the skin</a:t>
+              <a:t>Implanted under skin</a:t>
             </a:r>
           </a:p>
           <a:p>

--- a/lci_cvport.pptx
+++ b/lci_cvport.pptx
@@ -3224,8 +3224,8 @@
         <a:spcBef>
           <a:spcPct val="20000"/>
         </a:spcBef>
-        <a:buFont typeface="Arial"/>
-        <a:buChar char="–"/>
+        <a:buFont charset="0" panose="020B0604020202020204" pitchFamily="34" typeface="Arial"/>
+        <a:buChar char="•"/>
         <a:defRPr baseline="0" kern="1200" sz="2400">
           <a:solidFill>
             <a:schemeClr val="tx1"/>

--- a/lci_cvport.pptx
+++ b/lci_cvport.pptx
@@ -3743,7 +3743,7 @@
       </p:sp>
       <p:pic>
         <p:nvPicPr>
-          <p:cNvPr descr="https://deidt7p41jzcy.cloudfront.net/peripheral-venous-catheter-427167-7_960_720-pixabay.jpg" id="0" name="Picture 1"/>
+          <p:cNvPr descr="images/access_peripheral-venous-catheter-427167-7_960_720-pixabay.jpeg" id="0" name="Picture 1"/>
           <p:cNvPicPr>
             <a:picLocks noGrp="1" noChangeAspect="1"/>
           </p:cNvPicPr>
@@ -3869,7 +3869,7 @@
       </p:sp>
       <p:pic>
         <p:nvPicPr>
-          <p:cNvPr descr="https://deidt7p41jzcy.cloudfront.net/comm_picc.jpeg" id="0" name="Picture 1"/>
+          <p:cNvPr descr="images/comm_picc.jpeg" id="0" name="Picture 1"/>
           <p:cNvPicPr>
             <a:picLocks noGrp="1" noChangeAspect="1"/>
           </p:cNvPicPr>
@@ -4002,7 +4002,7 @@
       </p:sp>
       <p:pic>
         <p:nvPicPr>
-          <p:cNvPr descr="https://deidt7p41jzcy.cloudfront.net/cv_port.png" id="0" name="Picture 1"/>
+          <p:cNvPr descr="images/access_cv_port.png" id="0" name="Picture 1"/>
           <p:cNvPicPr>
             <a:picLocks noGrp="1" noChangeAspect="1"/>
           </p:cNvPicPr>
@@ -4135,7 +4135,7 @@
       </p:sp>
       <p:pic>
         <p:nvPicPr>
-          <p:cNvPr descr="https://deidt7p41jzcy.cloudfront.net/cv_port_1700.png" id="0" name="Picture 1"/>
+          <p:cNvPr descr="images/access_cv_port_1700.png" id="0" name="Picture 1"/>
           <p:cNvPicPr>
             <a:picLocks noGrp="1" noChangeAspect="1"/>
           </p:cNvPicPr>
@@ -4242,7 +4242,7 @@
       </p:sp>
       <p:pic>
         <p:nvPicPr>
-          <p:cNvPr descr="https://deidt7p41jzcy.cloudfront.net/cv_port_detail_1700.png" id="0" name="Picture 1"/>
+          <p:cNvPr descr="images/access_cv_port_detail_1700.png" id="0" name="Picture 1"/>
           <p:cNvPicPr>
             <a:picLocks noGrp="1" noChangeAspect="1"/>
           </p:cNvPicPr>

--- a/lci_cvport.pptx
+++ b/lci_cvport.pptx
@@ -12,6 +12,9 @@
     <p:sldId id="260" r:id="rId6"/>
     <p:sldId id="261" r:id="rId7"/>
     <p:sldId id="262" r:id="rId8"/>
+    <p:sldId id="263" r:id="rId9"/>
+    <p:sldId id="264" r:id="rId10"/>
+    <p:sldId id="265" r:id="rId11"/>
   </p:sldIdLst>
   <p:sldSz cx="9144000" cy="5143500" type="screen16x9"/>
   <p:notesSz cx="6858000" cy="9144000"/>
@@ -3536,6 +3539,115 @@
 </p:sld>
 </file>
 
+<file path=ppt/slides/slide10.xml><?xml version="1.0" encoding="utf-8"?>
+<p:sld xmlns:a="http://schemas.openxmlformats.org/drawingml/2006/main" xmlns:r="http://schemas.openxmlformats.org/officeDocument/2006/relationships" xmlns:p="http://schemas.openxmlformats.org/presentationml/2006/main">
+  <p:cSld>
+    <p:spTree>
+      <p:nvGrpSpPr>
+        <p:cNvPr id="1" name=""/>
+        <p:cNvGrpSpPr/>
+        <p:nvPr/>
+      </p:nvGrpSpPr>
+      <p:grpSpPr>
+        <a:xfrm>
+          <a:off x="0" y="0"/>
+          <a:ext cx="0" cy="0"/>
+          <a:chOff x="0" y="0"/>
+          <a:chExt cx="0" cy="0"/>
+        </a:xfrm>
+      </p:grpSpPr>
+      <p:sp>
+        <p:nvSpPr>
+          <p:cNvPr id="2" name="Title 1"/>
+          <p:cNvSpPr>
+            <a:spLocks noGrp="1"/>
+          </p:cNvSpPr>
+          <p:nvPr>
+            <p:ph type="title"/>
+          </p:nvPr>
+        </p:nvSpPr>
+        <p:spPr>
+          <a:xfrm>
+            <a:off x="284309" y="205979"/>
+            <a:ext cx="8552330" cy="662317"/>
+          </a:xfrm>
+        </p:spPr>
+        <p:txBody>
+          <a:bodyPr/>
+          <a:lstStyle/>
+          <a:p>
+            <a:pPr lvl="0" indent="0" marL="0">
+              <a:buNone/>
+            </a:pPr>
+            <a:r>
+              <a:rPr/>
+              <a:t>Team Members - Support Staff</a:t>
+            </a:r>
+          </a:p>
+        </p:txBody>
+      </p:sp>
+      <p:sp>
+        <p:nvSpPr>
+          <p:cNvPr id="3" name="Content Placeholder 2"/>
+          <p:cNvSpPr>
+            <a:spLocks noGrp="1"/>
+          </p:cNvSpPr>
+          <p:nvPr>
+            <p:ph idx="1"/>
+          </p:nvPr>
+        </p:nvSpPr>
+        <p:spPr/>
+        <p:txBody>
+          <a:bodyPr/>
+          <a:lstStyle/>
+          <a:p>
+            <a:pPr lvl="0" indent="0" marL="0">
+              <a:buNone/>
+            </a:pPr>
+            <a:r>
+              <a:rPr/>
+              <a:t>Dietitian - Liz Koch</a:t>
+            </a:r>
+          </a:p>
+          <a:p>
+            <a:pPr lvl="0" indent="0" marL="0">
+              <a:buNone/>
+            </a:pPr>
+            <a:r>
+              <a:rPr/>
+              <a:t>Nurses</a:t>
+            </a:r>
+          </a:p>
+          <a:p>
+            <a:pPr lvl="0"/>
+            <a:r>
+              <a:rPr/>
+              <a:t>Matthew Carpenter RN</a:t>
+            </a:r>
+          </a:p>
+          <a:p>
+            <a:pPr lvl="0"/>
+            <a:r>
+              <a:rPr/>
+              <a:t>Brandon Galloway LPN</a:t>
+            </a:r>
+          </a:p>
+          <a:p>
+            <a:pPr lvl="0" indent="0" marL="0">
+              <a:buNone/>
+            </a:pPr>
+            <a:r>
+              <a:rPr/>
+              <a:t>Navigator - Laura Swift</a:t>
+            </a:r>
+          </a:p>
+        </p:txBody>
+      </p:sp>
+    </p:spTree>
+  </p:cSld>
+</p:sld>
+</file>
+
 <file path=ppt/slides/slide2.xml><?xml version="1.0" encoding="utf-8"?>
 <p:sld xmlns:a="http://schemas.openxmlformats.org/drawingml/2006/main" xmlns:r="http://schemas.openxmlformats.org/officeDocument/2006/relationships" xmlns:p="http://schemas.openxmlformats.org/presentationml/2006/main">
   <p:cSld>
@@ -3818,7 +3930,7 @@
             </a:pPr>
             <a:r>
               <a:rPr/>
-              <a:t>PICC Lines</a:t>
+              <a:t>Central Venous Port</a:t>
             </a:r>
           </a:p>
         </p:txBody>
@@ -3841,35 +3953,42 @@
             <a:pPr lvl="0"/>
             <a:r>
               <a:rPr/>
-              <a:t>Placed in Radiology</a:t>
+              <a:t>Implantable device makes chemo easier</a:t>
             </a:r>
           </a:p>
           <a:p>
             <a:pPr lvl="0"/>
             <a:r>
               <a:rPr/>
-              <a:t>Stay in place during all of treatment</a:t>
+              <a:t>May shower in 24 hrs</a:t>
             </a:r>
           </a:p>
           <a:p>
             <a:pPr lvl="0"/>
             <a:r>
               <a:rPr/>
-              <a:t>Needs to be kept clean and dry</a:t>
+              <a:t>No special care at home</a:t>
             </a:r>
           </a:p>
           <a:p>
             <a:pPr lvl="0"/>
             <a:r>
               <a:rPr/>
-              <a:t>Suitable for FLOT chemotherapy</a:t>
+              <a:t>OK for FLOT chemo</a:t>
+            </a:r>
+          </a:p>
+          <a:p>
+            <a:pPr lvl="0"/>
+            <a:r>
+              <a:rPr/>
+              <a:t>Allows for blood draws</a:t>
             </a:r>
           </a:p>
         </p:txBody>
       </p:sp>
       <p:pic>
         <p:nvPicPr>
-          <p:cNvPr descr="images/comm_picc.jpeg" id="0" name="Picture 1"/>
+          <p:cNvPr descr="images/access_cv_port.png" id="0" name="Picture 1"/>
           <p:cNvPicPr>
             <a:picLocks noGrp="1" noChangeAspect="1"/>
           </p:cNvPicPr>
@@ -3883,8 +4002,8 @@
         </p:blipFill>
         <p:spPr bwMode="auto">
           <a:xfrm>
-            <a:off x="4635500" y="1511300"/>
-            <a:ext cx="4191000" cy="3098800"/>
+            <a:off x="4914900" y="1193800"/>
+            <a:ext cx="3632200" cy="3733800"/>
           </a:xfrm>
           <a:prstGeom prst="rect">
             <a:avLst/>
@@ -3967,42 +4086,42 @@
             <a:pPr lvl="0"/>
             <a:r>
               <a:rPr/>
-              <a:t>Implantable device makes chemo easier</a:t>
+              <a:t>Implanted under skin</a:t>
             </a:r>
           </a:p>
           <a:p>
             <a:pPr lvl="0"/>
             <a:r>
               <a:rPr/>
-              <a:t>May shower in 24 hrs</a:t>
+              <a:t>Neck incision (1/4”)</a:t>
             </a:r>
           </a:p>
           <a:p>
             <a:pPr lvl="0"/>
             <a:r>
               <a:rPr/>
-              <a:t>No special care at home</a:t>
+              <a:t>Incision below the collarbone</a:t>
             </a:r>
           </a:p>
           <a:p>
             <a:pPr lvl="0"/>
             <a:r>
               <a:rPr/>
-              <a:t>OK for FLOT chemo</a:t>
+              <a:t>Sutures dissolve</a:t>
             </a:r>
           </a:p>
           <a:p>
             <a:pPr lvl="0"/>
             <a:r>
               <a:rPr/>
-              <a:t>Allows for blood draws</a:t>
+              <a:t>“Superglue” on incisions</a:t>
             </a:r>
           </a:p>
         </p:txBody>
       </p:sp>
       <p:pic>
         <p:nvPicPr>
-          <p:cNvPr descr="images/access_cv_port.png" id="0" name="Picture 1"/>
+          <p:cNvPr descr="images/access_cv_port_1700.png" id="0" name="Picture 1"/>
           <p:cNvPicPr>
             <a:picLocks noGrp="1" noChangeAspect="1"/>
           </p:cNvPicPr>
@@ -4016,8 +4135,8 @@
         </p:blipFill>
         <p:spPr bwMode="auto">
           <a:xfrm>
-            <a:off x="4914900" y="1193800"/>
-            <a:ext cx="3632200" cy="3733800"/>
+            <a:off x="4864100" y="1193800"/>
+            <a:ext cx="3733800" cy="3733800"/>
           </a:xfrm>
           <a:prstGeom prst="rect">
             <a:avLst/>
@@ -4097,45 +4216,19 @@
           <a:bodyPr/>
           <a:lstStyle/>
           <a:p>
-            <a:pPr lvl="0"/>
+            <a:pPr lvl="0" indent="0" marL="0">
+              <a:buNone/>
+            </a:pPr>
             <a:r>
               <a:rPr/>
-              <a:t>Implanted under skin</a:t>
-            </a:r>
-          </a:p>
-          <a:p>
-            <a:pPr lvl="0"/>
-            <a:r>
-              <a:rPr/>
-              <a:t>Neck incision (1/4”)</a:t>
-            </a:r>
-          </a:p>
-          <a:p>
-            <a:pPr lvl="0"/>
-            <a:r>
-              <a:rPr/>
-              <a:t>Incision below the collarbone</a:t>
-            </a:r>
-          </a:p>
-          <a:p>
-            <a:pPr lvl="0"/>
-            <a:r>
-              <a:rPr/>
-              <a:t>Sutures dissolve</a:t>
-            </a:r>
-          </a:p>
-          <a:p>
-            <a:pPr lvl="0"/>
-            <a:r>
-              <a:rPr/>
-              <a:t>“Superglue” on incisions</a:t>
+              <a:t>When it is time for chemotherapy, a needle is inserted through the skin into the port</a:t>
             </a:r>
           </a:p>
         </p:txBody>
       </p:sp>
       <p:pic>
         <p:nvPicPr>
-          <p:cNvPr descr="images/access_cv_port_1700.png" id="0" name="Picture 1"/>
+          <p:cNvPr descr="images/access_cv_port_detail_1700.png" id="0" name="Picture 1"/>
           <p:cNvPicPr>
             <a:picLocks noGrp="1" noChangeAspect="1"/>
           </p:cNvPicPr>
@@ -4210,7 +4303,7 @@
             </a:pPr>
             <a:r>
               <a:rPr/>
-              <a:t>Central Venous Port</a:t>
+              <a:t>Laparoscopy</a:t>
             </a:r>
           </a:p>
         </p:txBody>
@@ -4230,19 +4323,31 @@
           <a:bodyPr/>
           <a:lstStyle/>
           <a:p>
-            <a:pPr lvl="0" indent="0" marL="0">
-              <a:buNone/>
-            </a:pPr>
+            <a:pPr lvl="0"/>
             <a:r>
               <a:rPr/>
-              <a:t>When it is time for chemotherapy, a needle is inserted through the skin into the port</a:t>
+              <a:t>Some stomach cancers can spread inside the abdomen</a:t>
+            </a:r>
+          </a:p>
+          <a:p>
+            <a:pPr lvl="0"/>
+            <a:r>
+              <a:rPr/>
+              <a:t>Areas of spread can be very small (grain of rice)</a:t>
+            </a:r>
+          </a:p>
+          <a:p>
+            <a:pPr lvl="0"/>
+            <a:r>
+              <a:rPr/>
+              <a:t>Laparoscopy can detect spread inside the abdomen</a:t>
             </a:r>
           </a:p>
         </p:txBody>
       </p:sp>
       <p:pic>
         <p:nvPicPr>
-          <p:cNvPr descr="images/access_cv_port_detail_1700.png" id="0" name="Picture 1"/>
+          <p:cNvPr descr="images/Eso_Laparoscopy.png" id="0" name="Picture 1"/>
           <p:cNvPicPr>
             <a:picLocks noGrp="1" noChangeAspect="1"/>
           </p:cNvPicPr>
@@ -4256,8 +4361,8 @@
         </p:blipFill>
         <p:spPr bwMode="auto">
           <a:xfrm>
-            <a:off x="4864100" y="1193800"/>
-            <a:ext cx="3733800" cy="3733800"/>
+            <a:off x="4914900" y="1193800"/>
+            <a:ext cx="3632200" cy="3733800"/>
           </a:xfrm>
           <a:prstGeom prst="rect">
             <a:avLst/>
@@ -4270,6 +4375,266 @@
           </a:ln>
         </p:spPr>
       </p:pic>
+    </p:spTree>
+  </p:cSld>
+</p:sld>
+</file>
+
+<file path=ppt/slides/slide8.xml><?xml version="1.0" encoding="utf-8"?>
+<p:sld xmlns:a="http://schemas.openxmlformats.org/drawingml/2006/main" xmlns:r="http://schemas.openxmlformats.org/officeDocument/2006/relationships" xmlns:p="http://schemas.openxmlformats.org/presentationml/2006/main">
+  <p:cSld>
+    <p:spTree>
+      <p:nvGrpSpPr>
+        <p:cNvPr id="1" name=""/>
+        <p:cNvGrpSpPr/>
+        <p:nvPr/>
+      </p:nvGrpSpPr>
+      <p:grpSpPr>
+        <a:xfrm>
+          <a:off x="0" y="0"/>
+          <a:ext cx="0" cy="0"/>
+          <a:chOff x="0" y="0"/>
+          <a:chExt cx="0" cy="0"/>
+        </a:xfrm>
+      </p:grpSpPr>
+      <p:sp>
+        <p:nvSpPr>
+          <p:cNvPr id="2" name="Title 1"/>
+          <p:cNvSpPr>
+            <a:spLocks noGrp="1"/>
+          </p:cNvSpPr>
+          <p:nvPr>
+            <p:ph type="title"/>
+          </p:nvPr>
+        </p:nvSpPr>
+        <p:spPr>
+          <a:xfrm>
+            <a:off x="315045" y="205979"/>
+            <a:ext cx="8529278" cy="857250"/>
+          </a:xfrm>
+        </p:spPr>
+        <p:txBody>
+          <a:bodyPr/>
+          <a:lstStyle/>
+          <a:p>
+            <a:pPr lvl="0" indent="0" marL="0">
+              <a:buNone/>
+            </a:pPr>
+            <a:r>
+              <a:rPr/>
+              <a:t>Laparoscopy</a:t>
+            </a:r>
+          </a:p>
+        </p:txBody>
+      </p:sp>
+      <p:sp>
+        <p:nvSpPr>
+          <p:cNvPr id="3" name="Content Placeholder 2"/>
+          <p:cNvSpPr>
+            <a:spLocks noGrp="1"/>
+          </p:cNvSpPr>
+          <p:nvPr>
+            <p:ph idx="1" sz="half"/>
+          </p:nvPr>
+        </p:nvSpPr>
+        <p:spPr/>
+        <p:txBody>
+          <a:bodyPr/>
+          <a:lstStyle/>
+          <a:p>
+            <a:pPr lvl="0"/>
+            <a:r>
+              <a:rPr/>
+              <a:t>General anesthetic</a:t>
+            </a:r>
+          </a:p>
+          <a:p>
+            <a:pPr lvl="0"/>
+            <a:r>
+              <a:rPr/>
+              <a:t>Several 1/4” incisions</a:t>
+            </a:r>
+          </a:p>
+          <a:p>
+            <a:pPr lvl="0"/>
+            <a:r>
+              <a:rPr/>
+              <a:t>Telescope examines the abdomen</a:t>
+            </a:r>
+          </a:p>
+          <a:p>
+            <a:pPr lvl="0"/>
+            <a:r>
+              <a:rPr/>
+              <a:t>Biopsies can be performed.</a:t>
+            </a:r>
+          </a:p>
+        </p:txBody>
+      </p:sp>
+      <p:pic>
+        <p:nvPicPr>
+          <p:cNvPr descr="images/Eso_Laparoscopy.png" id="0" name="Picture 1"/>
+          <p:cNvPicPr>
+            <a:picLocks noGrp="1" noChangeAspect="1"/>
+          </p:cNvPicPr>
+          <p:nvPr/>
+        </p:nvPicPr>
+        <p:blipFill>
+          <a:blip r:embed="rId2"/>
+          <a:stretch>
+            <a:fillRect/>
+          </a:stretch>
+        </p:blipFill>
+        <p:spPr bwMode="auto">
+          <a:xfrm>
+            <a:off x="4914900" y="1193800"/>
+            <a:ext cx="3632200" cy="3733800"/>
+          </a:xfrm>
+          <a:prstGeom prst="rect">
+            <a:avLst/>
+          </a:prstGeom>
+          <a:noFill/>
+          <a:ln w="9525">
+            <a:noFill/>
+            <a:headEnd/>
+            <a:tailEnd/>
+          </a:ln>
+        </p:spPr>
+      </p:pic>
+    </p:spTree>
+  </p:cSld>
+</p:sld>
+</file>
+
+<file path=ppt/slides/slide9.xml><?xml version="1.0" encoding="utf-8"?>
+<p:sld xmlns:a="http://schemas.openxmlformats.org/drawingml/2006/main" xmlns:r="http://schemas.openxmlformats.org/officeDocument/2006/relationships" xmlns:p="http://schemas.openxmlformats.org/presentationml/2006/main">
+  <p:cSld>
+    <p:spTree>
+      <p:nvGrpSpPr>
+        <p:cNvPr id="1" name=""/>
+        <p:cNvGrpSpPr/>
+        <p:nvPr/>
+      </p:nvGrpSpPr>
+      <p:grpSpPr>
+        <a:xfrm>
+          <a:off x="0" y="0"/>
+          <a:ext cx="0" cy="0"/>
+          <a:chOff x="0" y="0"/>
+          <a:chExt cx="0" cy="0"/>
+        </a:xfrm>
+      </p:grpSpPr>
+      <p:sp>
+        <p:nvSpPr>
+          <p:cNvPr id="2" name="Title 1"/>
+          <p:cNvSpPr>
+            <a:spLocks noGrp="1"/>
+          </p:cNvSpPr>
+          <p:nvPr>
+            <p:ph type="title"/>
+          </p:nvPr>
+        </p:nvSpPr>
+        <p:spPr>
+          <a:xfrm>
+            <a:off x="284309" y="205979"/>
+            <a:ext cx="8552330" cy="662317"/>
+          </a:xfrm>
+        </p:spPr>
+        <p:txBody>
+          <a:bodyPr/>
+          <a:lstStyle/>
+          <a:p>
+            <a:pPr lvl="0" indent="0" marL="0">
+              <a:buNone/>
+            </a:pPr>
+            <a:r>
+              <a:rPr/>
+              <a:t>Team Members - Physicians</a:t>
+            </a:r>
+          </a:p>
+        </p:txBody>
+      </p:sp>
+      <p:sp>
+        <p:nvSpPr>
+          <p:cNvPr id="3" name="Content Placeholder 2"/>
+          <p:cNvSpPr>
+            <a:spLocks noGrp="1"/>
+          </p:cNvSpPr>
+          <p:nvPr>
+            <p:ph idx="1"/>
+          </p:nvPr>
+        </p:nvSpPr>
+        <p:spPr/>
+        <p:txBody>
+          <a:bodyPr/>
+          <a:lstStyle/>
+          <a:p>
+            <a:pPr lvl="0" indent="0" marL="0">
+              <a:buNone/>
+            </a:pPr>
+            <a:r>
+              <a:rPr/>
+              <a:t>Primary Care Provider</a:t>
+            </a:r>
+          </a:p>
+          <a:p>
+            <a:pPr lvl="0" indent="0" marL="0">
+              <a:buNone/>
+            </a:pPr>
+            <a:r>
+              <a:rPr/>
+              <a:t>Gastroenterologist</a:t>
+            </a:r>
+          </a:p>
+          <a:p>
+            <a:pPr lvl="0" indent="0" marL="0">
+              <a:buNone/>
+            </a:pPr>
+            <a:r>
+              <a:rPr/>
+              <a:t>Medical Oncologist (chemotherapy)</a:t>
+            </a:r>
+          </a:p>
+          <a:p>
+            <a:pPr lvl="0" indent="0" marL="0">
+              <a:buNone/>
+            </a:pPr>
+            <a:r>
+              <a:rPr/>
+              <a:t>Radiation Oncologist (radiation)</a:t>
+            </a:r>
+          </a:p>
+          <a:p>
+            <a:pPr lvl="0" indent="0" marL="0">
+              <a:buNone/>
+            </a:pPr>
+            <a:r>
+              <a:rPr/>
+              <a:t>Surgeons</a:t>
+            </a:r>
+          </a:p>
+          <a:p>
+            <a:pPr lvl="0"/>
+            <a:r>
+              <a:rPr/>
+              <a:t>Jonathan Salo MD</a:t>
+            </a:r>
+          </a:p>
+          <a:p>
+            <a:pPr lvl="0"/>
+            <a:r>
+              <a:rPr/>
+              <a:t>Jeffrey Hagen MD</a:t>
+            </a:r>
+          </a:p>
+          <a:p>
+            <a:pPr lvl="0"/>
+            <a:r>
+              <a:rPr/>
+              <a:t>Michael Roach MD</a:t>
+            </a:r>
+          </a:p>
+        </p:txBody>
+      </p:sp>
     </p:spTree>
   </p:cSld>
 </p:sld>
